--- a/report_poster/p1_poster.pptx
+++ b/report_poster/p1_poster.pptx
@@ -118,7 +118,23 @@
   </p:defaultTextStyle>
   <p:extLst>
     <p:ext uri="{EFAFB233-063F-42B5-8137-9DF3F51BA10A}">
-      <p15:sldGuideLst xmlns:p15="http://schemas.microsoft.com/office/powerpoint/2012/main"/>
+      <p15:sldGuideLst xmlns:p15="http://schemas.microsoft.com/office/powerpoint/2012/main">
+        <p15:guide id="1" orient="horz" pos="2426" userDrawn="1">
+          <p15:clr>
+            <a:srgbClr val="A4A3A4"/>
+          </p15:clr>
+        </p15:guide>
+        <p15:guide id="2" orient="horz" pos="2177" userDrawn="1">
+          <p15:clr>
+            <a:srgbClr val="A4A3A4"/>
+          </p15:clr>
+        </p15:guide>
+        <p15:guide id="3" orient="horz" pos="2267" userDrawn="1">
+          <p15:clr>
+            <a:srgbClr val="A4A3A4"/>
+          </p15:clr>
+        </p15:guide>
+      </p15:sldGuideLst>
     </p:ext>
     <p:ext uri="{2D200454-40CA-4A62-9FC3-DE9A4176ACB9}">
       <p15:notesGuideLst xmlns:p15="http://schemas.microsoft.com/office/powerpoint/2012/main"/>
@@ -221,7 +237,7 @@
           <a:p>
             <a:fld id="{F68ABEA4-9216-4FDF-AAE1-D8632908A8EC}" type="datetimeFigureOut">
               <a:rPr lang="de-CH" smtClean="0"/>
-              <a:t>12.12.2024</a:t>
+              <a:t>15.12.2024</a:t>
             </a:fld>
             <a:endParaRPr lang="de-CH"/>
           </a:p>
@@ -398,7 +414,7 @@
           <a:p>
             <a:fld id="{4B78A90D-FE7E-41AF-B03D-808D82937CB9}" type="datetimeFigureOut">
               <a:rPr lang="de-CH" smtClean="0"/>
-              <a:t>12.12.2024</a:t>
+              <a:t>15.12.2024</a:t>
             </a:fld>
             <a:endParaRPr lang="de-CH"/>
           </a:p>
@@ -11520,47 +11536,58 @@
             <p:ph type="body" sz="quarter" idx="11"/>
           </p:nvPr>
         </p:nvSpPr>
-        <p:spPr/>
+        <p:spPr>
+          <a:xfrm>
+            <a:off x="449263" y="1295399"/>
+            <a:ext cx="9793286" cy="2160000"/>
+          </a:xfrm>
+          <a:solidFill>
+            <a:srgbClr val="6F6F6F"/>
+          </a:solidFill>
+          <a:ln>
+            <a:noFill/>
+          </a:ln>
+        </p:spPr>
         <p:txBody>
           <a:bodyPr/>
           <a:lstStyle/>
           <a:p>
             <a:r>
-              <a:rPr lang="en-US" dirty="0"/>
+              <a:rPr lang="en-GB" b="1" dirty="0"/>
               <a:t>Smiling Globe</a:t>
             </a:r>
           </a:p>
           <a:p>
             <a:pPr lvl="1"/>
-            <a:endParaRPr lang="en-US" dirty="0"/>
+            <a:endParaRPr lang="en-GB" dirty="0"/>
           </a:p>
           <a:p>
             <a:pPr lvl="1"/>
-            <a:endParaRPr lang="en-US" dirty="0"/>
+            <a:endParaRPr lang="en-GB" dirty="0"/>
           </a:p>
           <a:p>
             <a:pPr lvl="1"/>
             <a:r>
-              <a:rPr lang="en-US" dirty="0" err="1"/>
+              <a:rPr lang="en-GB" dirty="0" err="1"/>
               <a:t>Tamás</a:t>
             </a:r>
             <a:r>
-              <a:rPr lang="en-US" dirty="0"/>
+              <a:rPr lang="en-GB" dirty="0"/>
               <a:t> Nemes, </a:t>
             </a:r>
             <a:r>
-              <a:rPr lang="en-US" dirty="0" err="1"/>
+              <a:rPr lang="en-GB" dirty="0" err="1"/>
               <a:t>Tianjian</a:t>
             </a:r>
             <a:r>
-              <a:rPr lang="en-US" dirty="0"/>
+              <a:rPr lang="en-GB" dirty="0"/>
               <a:t> Yi, Ian Wimmer, Rui Zhang</a:t>
             </a:r>
           </a:p>
           <a:p>
             <a:pPr lvl="1"/>
             <a:r>
-              <a:rPr lang="en-US" dirty="0"/>
+              <a:rPr lang="en-GB" dirty="0"/>
               <a:t>D-INFK, ETH Zürich </a:t>
             </a:r>
           </a:p>
@@ -11582,821 +11609,794 @@
             <p:ph type="ftr" sz="quarter" idx="20"/>
           </p:nvPr>
         </p:nvSpPr>
-        <p:spPr/>
+        <p:spPr>
+          <a:xfrm>
+            <a:off x="5454650" y="461179"/>
+            <a:ext cx="4787350" cy="414194"/>
+          </a:xfrm>
+          <a:ln>
+            <a:noFill/>
+          </a:ln>
+        </p:spPr>
         <p:txBody>
           <a:bodyPr/>
           <a:lstStyle/>
           <a:p>
-            <a:r>
-              <a:rPr lang="de-DE" dirty="0"/>
-              <a:t>Organisationseinheit verbal </a:t>
-            </a:r>
-            <a:br>
-              <a:rPr lang="de-DE" dirty="0"/>
-            </a:br>
-            <a:r>
-              <a:rPr lang="de-DE" dirty="0"/>
-              <a:t>optional auf 2 Zeilen</a:t>
-            </a:r>
-            <a:endParaRPr lang="en-US" noProof="0" dirty="0"/>
-          </a:p>
-        </p:txBody>
-      </p:sp>
-      <p:sp>
-        <p:nvSpPr>
-          <p:cNvPr id="7" name="Textfeld 6">
-            <a:extLst>
-              <a:ext uri="{FF2B5EF4-FFF2-40B4-BE49-F238E27FC236}">
-                <a16:creationId xmlns:a16="http://schemas.microsoft.com/office/drawing/2014/main" id="{817DA120-B4C8-45E1-9AFC-01FF61FE9131}"/>
-              </a:ext>
-            </a:extLst>
-          </p:cNvPr>
-          <p:cNvSpPr txBox="1"/>
+            <a:pPr algn="r"/>
+            <a:r>
+              <a:rPr lang="en-GB" sz="1400" i="0" dirty="0">
+                <a:solidFill>
+                  <a:srgbClr val="1D2125"/>
+                </a:solidFill>
+                <a:effectLst/>
+              </a:rPr>
+              <a:t>252-2810-00L FS</a:t>
+            </a:r>
+          </a:p>
+          <a:p>
+            <a:pPr algn="r"/>
+            <a:r>
+              <a:rPr lang="en-GB" sz="1400" i="0" dirty="0">
+                <a:solidFill>
+                  <a:srgbClr val="1D2125"/>
+                </a:solidFill>
+                <a:effectLst/>
+              </a:rPr>
+              <a:t>Fundamentals of Web Engineering</a:t>
+            </a:r>
+          </a:p>
+        </p:txBody>
+      </p:sp>
+      <p:grpSp>
+        <p:nvGrpSpPr>
+          <p:cNvPr id="61" name="Group 60">
+            <a:extLst>
+              <a:ext uri="{FF2B5EF4-FFF2-40B4-BE49-F238E27FC236}">
+                <a16:creationId xmlns:a16="http://schemas.microsoft.com/office/drawing/2014/main" id="{F68DF047-99BD-A75F-C2DD-7E31AA485D0A}"/>
+              </a:ext>
+            </a:extLst>
+          </p:cNvPr>
+          <p:cNvGrpSpPr/>
           <p:nvPr/>
-        </p:nvSpPr>
-        <p:spPr>
-          <a:xfrm>
-            <a:off x="449263" y="4464000"/>
-            <a:ext cx="4788000" cy="1151593"/>
-          </a:xfrm>
-          <a:prstGeom prst="rect">
-            <a:avLst/>
-          </a:prstGeom>
-          <a:solidFill>
-            <a:schemeClr val="accent5"/>
-          </a:solidFill>
-        </p:spPr>
-        <p:txBody>
-          <a:bodyPr wrap="square" lIns="180000" tIns="180000" rIns="180000" bIns="180000" rtlCol="0">
-            <a:noAutofit/>
-          </a:bodyPr>
-          <a:lstStyle/>
-          <a:p>
-            <a:pPr>
-              <a:spcAft>
-                <a:spcPts val="600"/>
-              </a:spcAft>
-            </a:pPr>
-            <a:r>
-              <a:rPr lang="en-US" sz="1200" dirty="0"/>
-              <a:t>A lens of joy for the world. With this Motto in mind, we have developed </a:t>
-            </a:r>
-            <a:r>
-              <a:rPr lang="en-US" sz="1200" i="1" dirty="0"/>
-              <a:t>Smiling Globe</a:t>
-            </a:r>
-            <a:r>
-              <a:rPr lang="en-US" sz="1200" dirty="0"/>
-              <a:t>, an interactive, responsive and accessible website about happiness all around the world. </a:t>
-            </a:r>
-          </a:p>
-        </p:txBody>
-      </p:sp>
-      <p:sp>
-        <p:nvSpPr>
-          <p:cNvPr id="10" name="Textfeld 9">
-            <a:extLst>
-              <a:ext uri="{FF2B5EF4-FFF2-40B4-BE49-F238E27FC236}">
-                <a16:creationId xmlns:a16="http://schemas.microsoft.com/office/drawing/2014/main" id="{6E2E79BC-2BA4-45CB-AE87-2A2CDC697397}"/>
-              </a:ext>
-            </a:extLst>
-          </p:cNvPr>
-          <p:cNvSpPr txBox="1"/>
+        </p:nvGrpSpPr>
+        <p:grpSpPr>
+          <a:xfrm>
+            <a:off x="447506" y="3614297"/>
+            <a:ext cx="4789657" cy="2116196"/>
+            <a:chOff x="447506" y="3614297"/>
+            <a:chExt cx="4789107" cy="2116196"/>
+          </a:xfrm>
+        </p:grpSpPr>
+        <p:sp>
+          <p:nvSpPr>
+            <p:cNvPr id="7" name="Textfeld 6">
+              <a:extLst>
+                <a:ext uri="{FF2B5EF4-FFF2-40B4-BE49-F238E27FC236}">
+                  <a16:creationId xmlns:a16="http://schemas.microsoft.com/office/drawing/2014/main" id="{817DA120-B4C8-45E1-9AFC-01FF61FE9131}"/>
+                </a:ext>
+              </a:extLst>
+            </p:cNvPr>
+            <p:cNvSpPr txBox="1"/>
+            <p:nvPr/>
+          </p:nvSpPr>
+          <p:spPr>
+            <a:xfrm>
+              <a:off x="447506" y="3861959"/>
+              <a:ext cx="4788000" cy="1868534"/>
+            </a:xfrm>
+            <a:prstGeom prst="rect">
+              <a:avLst/>
+            </a:prstGeom>
+            <a:solidFill>
+              <a:schemeClr val="accent5"/>
+            </a:solidFill>
+            <a:ln>
+              <a:noFill/>
+            </a:ln>
+          </p:spPr>
+          <p:txBody>
+            <a:bodyPr wrap="square" lIns="180000" tIns="180000" rIns="180000" bIns="180000" rtlCol="0">
+              <a:noAutofit/>
+            </a:bodyPr>
+            <a:lstStyle/>
+            <a:p>
+              <a:pPr>
+                <a:spcAft>
+                  <a:spcPts val="600"/>
+                </a:spcAft>
+              </a:pPr>
+              <a:r>
+                <a:rPr lang="en-GB" sz="1200" dirty="0"/>
+                <a:t>A lens of joy for the world. With this motto in mind, we have developed </a:t>
+              </a:r>
+              <a:r>
+                <a:rPr lang="en-GB" sz="1200" i="1" dirty="0"/>
+                <a:t>Smiling Globe</a:t>
+              </a:r>
+              <a:r>
+                <a:rPr lang="en-GB" sz="1200" dirty="0"/>
+                <a:t>, an interactive, responsive and accessible website designed for individuals seeking a comprehensive overview of happiness across the globe. Using the World Happiness Index, we ranked countries based on their happiness scores, providing an engaging experience through a dynamic map where users can explore and compare the happiness levels of different nations.</a:t>
+              </a:r>
+            </a:p>
+          </p:txBody>
+        </p:sp>
+        <p:sp>
+          <p:nvSpPr>
+            <p:cNvPr id="64" name="Textfeld 63">
+              <a:extLst>
+                <a:ext uri="{FF2B5EF4-FFF2-40B4-BE49-F238E27FC236}">
+                  <a16:creationId xmlns:a16="http://schemas.microsoft.com/office/drawing/2014/main" id="{16F2F553-33F3-48C6-BF49-80A678D93FBD}"/>
+                </a:ext>
+              </a:extLst>
+            </p:cNvPr>
+            <p:cNvSpPr txBox="1"/>
+            <p:nvPr/>
+          </p:nvSpPr>
+          <p:spPr>
+            <a:xfrm>
+              <a:off x="448613" y="3614297"/>
+              <a:ext cx="4788000" cy="252000"/>
+            </a:xfrm>
+            <a:prstGeom prst="rect">
+              <a:avLst/>
+            </a:prstGeom>
+            <a:noFill/>
+            <a:ln>
+              <a:noFill/>
+            </a:ln>
+          </p:spPr>
+          <p:txBody>
+            <a:bodyPr wrap="square" lIns="0" tIns="0" rIns="0" bIns="0" rtlCol="0">
+              <a:noAutofit/>
+            </a:bodyPr>
+            <a:lstStyle/>
+            <a:p>
+              <a:pPr algn="l">
+                <a:lnSpc>
+                  <a:spcPts val="1550"/>
+                </a:lnSpc>
+                <a:spcBef>
+                  <a:spcPts val="200"/>
+                </a:spcBef>
+              </a:pPr>
+              <a:r>
+                <a:rPr lang="en-GB" sz="1600" b="1" dirty="0">
+                  <a:solidFill>
+                    <a:schemeClr val="accent1"/>
+                  </a:solidFill>
+                </a:rPr>
+                <a:t>1 Introduction</a:t>
+              </a:r>
+            </a:p>
+          </p:txBody>
+        </p:sp>
+      </p:grpSp>
+      <p:sp>
+        <p:nvSpPr>
+          <p:cNvPr id="46" name="Rectangle 45">
+            <a:extLst>
+              <a:ext uri="{FF2B5EF4-FFF2-40B4-BE49-F238E27FC236}">
+                <a16:creationId xmlns:a16="http://schemas.microsoft.com/office/drawing/2014/main" id="{A86D7DC1-1BC8-F8FE-C460-FD833CDC08C9}"/>
+              </a:ext>
+            </a:extLst>
+          </p:cNvPr>
+          <p:cNvSpPr/>
           <p:nvPr/>
         </p:nvSpPr>
         <p:spPr>
           <a:xfrm>
-            <a:off x="449263" y="6100816"/>
-            <a:ext cx="4788000" cy="4572000"/>
-          </a:xfrm>
-          <a:prstGeom prst="rect">
-            <a:avLst/>
-          </a:prstGeom>
-          <a:solidFill>
-            <a:schemeClr val="bg2">
-              <a:lumMod val="95000"/>
-            </a:schemeClr>
-          </a:solidFill>
-        </p:spPr>
-        <p:txBody>
-          <a:bodyPr wrap="square" lIns="180000" tIns="180000" rIns="180000" bIns="180000" rtlCol="0">
-            <a:noAutofit/>
-          </a:bodyPr>
-          <a:lstStyle/>
-          <a:p>
-            <a:pPr marL="180000" indent="-180000">
-              <a:spcAft>
-                <a:spcPts val="600"/>
-              </a:spcAft>
-              <a:buFont typeface="Arial" panose="020B0604020202020204" pitchFamily="34" charset="0"/>
-              <a:buChar char="•"/>
-            </a:pPr>
-            <a:r>
-              <a:rPr lang="en-US" sz="1200" dirty="0"/>
-              <a:t>This is a dummy text. Far </a:t>
-            </a:r>
-            <a:r>
-              <a:rPr lang="en-US" sz="1200" dirty="0" err="1"/>
-              <a:t>far</a:t>
-            </a:r>
-            <a:r>
-              <a:rPr lang="en-US" sz="1200" dirty="0"/>
-              <a:t> away, behind the word mountains, far from the countries </a:t>
-            </a:r>
-            <a:r>
-              <a:rPr lang="en-US" sz="1200" dirty="0" err="1"/>
-              <a:t>Vokalia</a:t>
-            </a:r>
-            <a:r>
-              <a:rPr lang="en-US" sz="1200" dirty="0"/>
-              <a:t> and </a:t>
-            </a:r>
-            <a:r>
-              <a:rPr lang="en-US" sz="1200" dirty="0" err="1"/>
-              <a:t>Consonantia</a:t>
-            </a:r>
-            <a:r>
-              <a:rPr lang="en-US" sz="1200" dirty="0"/>
-              <a:t>.</a:t>
-            </a:r>
-          </a:p>
-          <a:p>
-            <a:pPr marL="180000" indent="-180000">
-              <a:spcAft>
-                <a:spcPts val="600"/>
-              </a:spcAft>
-              <a:buFont typeface="Arial" panose="020B0604020202020204" pitchFamily="34" charset="0"/>
-              <a:buChar char="•"/>
-            </a:pPr>
-            <a:r>
-              <a:rPr lang="en-US" sz="1200" dirty="0"/>
-              <a:t>Separated they live in </a:t>
-            </a:r>
-            <a:r>
-              <a:rPr lang="en-US" sz="1200" dirty="0" err="1"/>
-              <a:t>Bookmarksgrove</a:t>
-            </a:r>
-            <a:r>
-              <a:rPr lang="en-US" sz="1200" dirty="0"/>
-              <a:t> right at the coast of the Semantics, a large language ocean. A small river named </a:t>
-            </a:r>
-            <a:r>
-              <a:rPr lang="en-US" sz="1200" dirty="0" err="1"/>
-              <a:t>Duden</a:t>
-            </a:r>
-            <a:r>
-              <a:rPr lang="en-US" sz="1200" dirty="0"/>
-              <a:t> flows by their place and supplies it with the necessary.</a:t>
-            </a:r>
-          </a:p>
-        </p:txBody>
-      </p:sp>
-      <p:sp>
-        <p:nvSpPr>
-          <p:cNvPr id="11" name="Textfeld 10">
-            <a:extLst>
-              <a:ext uri="{FF2B5EF4-FFF2-40B4-BE49-F238E27FC236}">
-                <a16:creationId xmlns:a16="http://schemas.microsoft.com/office/drawing/2014/main" id="{8DB891BA-64C1-47DD-9FAA-BB9AF059A154}"/>
-              </a:ext>
-            </a:extLst>
-          </p:cNvPr>
-          <p:cNvSpPr txBox="1"/>
-          <p:nvPr/>
-        </p:nvSpPr>
-        <p:spPr>
-          <a:xfrm>
-            <a:off x="5453263" y="4464000"/>
-            <a:ext cx="4788000" cy="4200739"/>
-          </a:xfrm>
-          <a:prstGeom prst="rect">
-            <a:avLst/>
-          </a:prstGeom>
-          <a:solidFill>
-            <a:schemeClr val="bg2">
-              <a:lumMod val="95000"/>
-            </a:schemeClr>
-          </a:solidFill>
-        </p:spPr>
-        <p:txBody>
-          <a:bodyPr wrap="square" lIns="180000" tIns="180000" rIns="180000" bIns="180000" rtlCol="0">
-            <a:noAutofit/>
-          </a:bodyPr>
-          <a:lstStyle/>
-          <a:p>
-            <a:pPr>
-              <a:spcAft>
-                <a:spcPts val="600"/>
-              </a:spcAft>
-            </a:pPr>
-            <a:r>
-              <a:rPr lang="en-US" sz="1200" dirty="0"/>
-              <a:t>This is a dummy text. Far </a:t>
-            </a:r>
-            <a:r>
-              <a:rPr lang="en-US" sz="1200" dirty="0" err="1"/>
-              <a:t>far</a:t>
-            </a:r>
-            <a:r>
-              <a:rPr lang="en-US" sz="1200" dirty="0"/>
-              <a:t> away, behind the word mountains, far from the countries </a:t>
-            </a:r>
-            <a:r>
-              <a:rPr lang="en-US" sz="1200" dirty="0" err="1"/>
-              <a:t>Vokalia</a:t>
-            </a:r>
-            <a:r>
-              <a:rPr lang="en-US" sz="1200" dirty="0"/>
-              <a:t> and </a:t>
-            </a:r>
-            <a:r>
-              <a:rPr lang="en-US" sz="1200" dirty="0" err="1"/>
-              <a:t>Consonantia</a:t>
-            </a:r>
-            <a:r>
-              <a:rPr lang="en-US" sz="1200" dirty="0"/>
-              <a:t>, there live the blind texts. Separated they live in </a:t>
-            </a:r>
-            <a:r>
-              <a:rPr lang="en-US" sz="1200" dirty="0" err="1"/>
-              <a:t>Bookmarksgrove</a:t>
-            </a:r>
-            <a:r>
-              <a:rPr lang="en-US" sz="1200" dirty="0"/>
-              <a:t> right at the coast of the Semantics, a large language ocean. </a:t>
-            </a:r>
-          </a:p>
-        </p:txBody>
-      </p:sp>
-      <p:sp>
-        <p:nvSpPr>
-          <p:cNvPr id="12" name="Textfeld 11">
-            <a:extLst>
-              <a:ext uri="{FF2B5EF4-FFF2-40B4-BE49-F238E27FC236}">
-                <a16:creationId xmlns:a16="http://schemas.microsoft.com/office/drawing/2014/main" id="{A65136F1-4F26-4D14-9FEC-C4BE18ABE7CF}"/>
-              </a:ext>
-            </a:extLst>
-          </p:cNvPr>
-          <p:cNvSpPr txBox="1"/>
-          <p:nvPr/>
-        </p:nvSpPr>
-        <p:spPr>
-          <a:xfrm>
-            <a:off x="450000" y="11124000"/>
-            <a:ext cx="4788000" cy="2952000"/>
-          </a:xfrm>
-          <a:prstGeom prst="rect">
-            <a:avLst/>
-          </a:prstGeom>
-          <a:solidFill>
-            <a:schemeClr val="bg2">
-              <a:lumMod val="95000"/>
-            </a:schemeClr>
-          </a:solidFill>
-        </p:spPr>
-        <p:txBody>
-          <a:bodyPr wrap="square" lIns="180000" tIns="180000" rIns="180000" bIns="180000" rtlCol="0">
-            <a:noAutofit/>
-          </a:bodyPr>
-          <a:lstStyle/>
-          <a:p>
-            <a:pPr marL="180000" indent="-180000">
-              <a:spcAft>
-                <a:spcPts val="600"/>
-              </a:spcAft>
-              <a:buFont typeface="Arial" panose="020B0604020202020204" pitchFamily="34" charset="0"/>
-              <a:buChar char="•"/>
-            </a:pPr>
-            <a:r>
-              <a:rPr lang="en-US" sz="1200" dirty="0"/>
-              <a:t>This is a dummy text. Far </a:t>
-            </a:r>
-            <a:r>
-              <a:rPr lang="en-US" sz="1200" dirty="0" err="1"/>
-              <a:t>far</a:t>
-            </a:r>
-            <a:r>
-              <a:rPr lang="en-US" sz="1200" dirty="0"/>
-              <a:t> away, behind the word mountains, far from the countries </a:t>
-            </a:r>
-            <a:r>
-              <a:rPr lang="en-US" sz="1200" dirty="0" err="1"/>
-              <a:t>Vokalia</a:t>
-            </a:r>
-            <a:r>
-              <a:rPr lang="en-US" sz="1200" dirty="0"/>
-              <a:t> and </a:t>
-            </a:r>
-            <a:r>
-              <a:rPr lang="en-US" sz="1200" dirty="0" err="1"/>
-              <a:t>Consonantia</a:t>
-            </a:r>
-            <a:r>
-              <a:rPr lang="en-US" sz="1200" dirty="0"/>
-              <a:t>. </a:t>
-            </a:r>
-          </a:p>
-          <a:p>
-            <a:pPr marL="180000" indent="-180000">
-              <a:spcAft>
-                <a:spcPts val="600"/>
-              </a:spcAft>
-              <a:buFont typeface="Arial" panose="020B0604020202020204" pitchFamily="34" charset="0"/>
-              <a:buChar char="•"/>
-            </a:pPr>
-            <a:r>
-              <a:rPr lang="en-US" sz="1200" dirty="0"/>
-              <a:t>A small river named </a:t>
-            </a:r>
-            <a:r>
-              <a:rPr lang="en-US" sz="1200" dirty="0" err="1"/>
-              <a:t>Duden</a:t>
-            </a:r>
-            <a:r>
-              <a:rPr lang="en-US" sz="1200" dirty="0"/>
-              <a:t> flows by their place and supplies it with the necessary </a:t>
-            </a:r>
-            <a:r>
-              <a:rPr lang="en-US" sz="1200" dirty="0" err="1"/>
-              <a:t>regelialia</a:t>
-            </a:r>
-            <a:r>
-              <a:rPr lang="en-US" sz="1200" dirty="0"/>
-              <a:t>. It is a </a:t>
-            </a:r>
-            <a:r>
-              <a:rPr lang="en-US" sz="1200" dirty="0" err="1"/>
-              <a:t>paradisematic</a:t>
-            </a:r>
-            <a:r>
-              <a:rPr lang="en-US" sz="1200" dirty="0"/>
-              <a:t> country. </a:t>
-            </a:r>
-          </a:p>
-        </p:txBody>
-      </p:sp>
-      <p:sp>
-        <p:nvSpPr>
-          <p:cNvPr id="13" name="Textfeld 12">
-            <a:extLst>
-              <a:ext uri="{FF2B5EF4-FFF2-40B4-BE49-F238E27FC236}">
-                <a16:creationId xmlns:a16="http://schemas.microsoft.com/office/drawing/2014/main" id="{C7C04B1D-DC34-4E60-B6E3-5EFA9E0D3DD2}"/>
-              </a:ext>
-            </a:extLst>
-          </p:cNvPr>
-          <p:cNvSpPr txBox="1"/>
-          <p:nvPr/>
-        </p:nvSpPr>
-        <p:spPr>
-          <a:xfrm>
-            <a:off x="5454650" y="9144000"/>
-            <a:ext cx="4788000" cy="3492000"/>
-          </a:xfrm>
-          <a:prstGeom prst="rect">
-            <a:avLst/>
-          </a:prstGeom>
-          <a:solidFill>
-            <a:schemeClr val="accent5"/>
-          </a:solidFill>
-        </p:spPr>
-        <p:txBody>
-          <a:bodyPr wrap="square" lIns="180000" tIns="180000" rIns="180000" bIns="180000" rtlCol="0">
-            <a:noAutofit/>
-          </a:bodyPr>
-          <a:lstStyle/>
-          <a:p>
-            <a:pPr marL="180000" indent="-180000">
-              <a:spcAft>
-                <a:spcPts val="600"/>
-              </a:spcAft>
-              <a:buFont typeface="Arial" panose="020B0604020202020204" pitchFamily="34" charset="0"/>
-              <a:buChar char="•"/>
-            </a:pPr>
-            <a:r>
-              <a:rPr lang="en-US" sz="1200" dirty="0"/>
-              <a:t>This is a dummy text. Far </a:t>
-            </a:r>
-            <a:r>
-              <a:rPr lang="en-US" sz="1200" dirty="0" err="1"/>
-              <a:t>far</a:t>
-            </a:r>
-            <a:r>
-              <a:rPr lang="en-US" sz="1200" dirty="0"/>
-              <a:t> away, behind the word mountains, far from the countries </a:t>
-            </a:r>
-            <a:r>
-              <a:rPr lang="en-US" sz="1200" dirty="0" err="1"/>
-              <a:t>Vokalia</a:t>
-            </a:r>
-            <a:r>
-              <a:rPr lang="en-US" sz="1200" dirty="0"/>
-              <a:t> and </a:t>
-            </a:r>
-            <a:r>
-              <a:rPr lang="en-US" sz="1200" dirty="0" err="1"/>
-              <a:t>Consonantia</a:t>
-            </a:r>
-            <a:r>
-              <a:rPr lang="en-US" sz="1200" dirty="0"/>
-              <a:t>. </a:t>
-            </a:r>
-          </a:p>
-          <a:p>
-            <a:pPr marL="180000" indent="-180000">
-              <a:spcAft>
-                <a:spcPts val="600"/>
-              </a:spcAft>
-              <a:buFont typeface="Arial" panose="020B0604020202020204" pitchFamily="34" charset="0"/>
-              <a:buChar char="•"/>
-            </a:pPr>
-            <a:r>
-              <a:rPr lang="en-US" sz="1200" dirty="0"/>
-              <a:t>There live the blind texts. Separated they live in </a:t>
-            </a:r>
-            <a:r>
-              <a:rPr lang="en-US" sz="1200" dirty="0" err="1"/>
-              <a:t>Bookmarksgrove</a:t>
-            </a:r>
-            <a:r>
-              <a:rPr lang="en-US" sz="1200" dirty="0"/>
-              <a:t> right at the coast of the Semantics, a large language ocean. </a:t>
-            </a:r>
-          </a:p>
-          <a:p>
-            <a:pPr marL="180000" indent="-180000">
-              <a:spcAft>
-                <a:spcPts val="600"/>
-              </a:spcAft>
-              <a:buFont typeface="Arial" panose="020B0604020202020204" pitchFamily="34" charset="0"/>
-              <a:buChar char="•"/>
-            </a:pPr>
-            <a:r>
-              <a:rPr lang="en-US" sz="1200" dirty="0"/>
-              <a:t>Separated they live in </a:t>
-            </a:r>
-            <a:r>
-              <a:rPr lang="en-US" sz="1200" dirty="0" err="1"/>
-              <a:t>Bookmarksgrove</a:t>
-            </a:r>
-            <a:r>
-              <a:rPr lang="en-US" sz="1200" dirty="0"/>
-              <a:t> right at the coast. </a:t>
-            </a:r>
-          </a:p>
-          <a:p>
-            <a:pPr marL="180000" indent="-180000">
-              <a:spcAft>
-                <a:spcPts val="600"/>
-              </a:spcAft>
-              <a:buFont typeface="Arial" panose="020B0604020202020204" pitchFamily="34" charset="0"/>
-              <a:buChar char="•"/>
-            </a:pPr>
-            <a:r>
-              <a:rPr lang="en-US" sz="1200" dirty="0"/>
-              <a:t>This is a dummy text. Far </a:t>
-            </a:r>
-            <a:r>
-              <a:rPr lang="en-US" sz="1200" dirty="0" err="1"/>
-              <a:t>far</a:t>
-            </a:r>
-            <a:r>
-              <a:rPr lang="en-US" sz="1200" dirty="0"/>
-              <a:t> away, behind the word mountains.</a:t>
-            </a:r>
-          </a:p>
-        </p:txBody>
-      </p:sp>
-      <p:sp>
-        <p:nvSpPr>
-          <p:cNvPr id="14" name="Textfeld 13">
-            <a:extLst>
-              <a:ext uri="{FF2B5EF4-FFF2-40B4-BE49-F238E27FC236}">
-                <a16:creationId xmlns:a16="http://schemas.microsoft.com/office/drawing/2014/main" id="{A118437E-FCCF-42DB-B327-5C471781BFC8}"/>
-              </a:ext>
-            </a:extLst>
-          </p:cNvPr>
-          <p:cNvSpPr txBox="1"/>
-          <p:nvPr/>
-        </p:nvSpPr>
-        <p:spPr>
-          <a:xfrm>
-            <a:off x="449263" y="5786636"/>
-            <a:ext cx="4788000" cy="246221"/>
+            <a:off x="453970" y="9179346"/>
+            <a:ext cx="4780799" cy="148315"/>
           </a:xfrm>
           <a:prstGeom prst="rect">
             <a:avLst/>
           </a:prstGeom>
           <a:noFill/>
-        </p:spPr>
-        <p:txBody>
-          <a:bodyPr wrap="square" lIns="0" tIns="0" rIns="0" bIns="0" rtlCol="0">
-            <a:noAutofit/>
-          </a:bodyPr>
+          <a:ln>
+            <a:noFill/>
+          </a:ln>
+        </p:spPr>
+        <p:style>
+          <a:lnRef idx="2">
+            <a:schemeClr val="accent1">
+              <a:shade val="15000"/>
+            </a:schemeClr>
+          </a:lnRef>
+          <a:fillRef idx="1">
+            <a:schemeClr val="accent1"/>
+          </a:fillRef>
+          <a:effectRef idx="0">
+            <a:schemeClr val="accent1"/>
+          </a:effectRef>
+          <a:fontRef idx="minor">
+            <a:schemeClr val="lt1"/>
+          </a:fontRef>
+        </p:style>
+        <p:txBody>
+          <a:bodyPr rtlCol="0" anchor="ctr"/>
           <a:lstStyle/>
           <a:p>
-            <a:pPr algn="l">
-              <a:lnSpc>
-                <a:spcPts val="1550"/>
-              </a:lnSpc>
-              <a:spcBef>
-                <a:spcPts val="200"/>
-              </a:spcBef>
-            </a:pPr>
-            <a:r>
-              <a:rPr lang="en-US" sz="1600" dirty="0">
-                <a:solidFill>
-                  <a:schemeClr val="accent1"/>
-                </a:solidFill>
-              </a:rPr>
-              <a:t>2 Interface</a:t>
-            </a:r>
-          </a:p>
-        </p:txBody>
-      </p:sp>
-      <p:sp>
-        <p:nvSpPr>
-          <p:cNvPr id="15" name="Textfeld 14">
-            <a:extLst>
-              <a:ext uri="{FF2B5EF4-FFF2-40B4-BE49-F238E27FC236}">
-                <a16:creationId xmlns:a16="http://schemas.microsoft.com/office/drawing/2014/main" id="{E3E7D849-0817-4B0F-9763-641771A2054A}"/>
-              </a:ext>
-            </a:extLst>
-          </p:cNvPr>
-          <p:cNvSpPr txBox="1"/>
+            <a:pPr algn="ctr"/>
+            <a:endParaRPr lang="en-GB" dirty="0"/>
+          </a:p>
+        </p:txBody>
+      </p:sp>
+      <p:grpSp>
+        <p:nvGrpSpPr>
+          <p:cNvPr id="75" name="Group 74">
+            <a:extLst>
+              <a:ext uri="{FF2B5EF4-FFF2-40B4-BE49-F238E27FC236}">
+                <a16:creationId xmlns:a16="http://schemas.microsoft.com/office/drawing/2014/main" id="{47BD309D-C7B6-FE54-E058-734F01C08D1E}"/>
+              </a:ext>
+            </a:extLst>
+          </p:cNvPr>
+          <p:cNvGrpSpPr/>
           <p:nvPr/>
-        </p:nvSpPr>
-        <p:spPr>
-          <a:xfrm>
-            <a:off x="5453261" y="4176000"/>
-            <a:ext cx="4788000" cy="288000"/>
+        </p:nvGrpSpPr>
+        <p:grpSpPr>
+          <a:xfrm>
+            <a:off x="5463971" y="9485817"/>
+            <a:ext cx="4793171" cy="3215127"/>
+            <a:chOff x="5451599" y="8862573"/>
+            <a:chExt cx="4793171" cy="3215127"/>
+          </a:xfrm>
+        </p:grpSpPr>
+        <p:sp>
+          <p:nvSpPr>
+            <p:cNvPr id="13" name="Textfeld 12">
+              <a:extLst>
+                <a:ext uri="{FF2B5EF4-FFF2-40B4-BE49-F238E27FC236}">
+                  <a16:creationId xmlns:a16="http://schemas.microsoft.com/office/drawing/2014/main" id="{C7C04B1D-DC34-4E60-B6E3-5EFA9E0D3DD2}"/>
+                </a:ext>
+              </a:extLst>
+            </p:cNvPr>
+            <p:cNvSpPr txBox="1"/>
+            <p:nvPr/>
+          </p:nvSpPr>
+          <p:spPr>
+            <a:xfrm>
+              <a:off x="5451599" y="9262044"/>
+              <a:ext cx="4788000" cy="2815656"/>
+            </a:xfrm>
+            <a:prstGeom prst="rect">
+              <a:avLst/>
+            </a:prstGeom>
+            <a:solidFill>
+              <a:schemeClr val="accent5"/>
+            </a:solidFill>
+            <a:ln>
+              <a:noFill/>
+            </a:ln>
+          </p:spPr>
+          <p:txBody>
+            <a:bodyPr wrap="square" lIns="180000" tIns="180000" rIns="180000" bIns="180000" rtlCol="0">
+              <a:noAutofit/>
+            </a:bodyPr>
+            <a:lstStyle/>
+            <a:p>
+              <a:pPr marL="171450" indent="-171450">
+                <a:spcAft>
+                  <a:spcPts val="600"/>
+                </a:spcAft>
+                <a:buFont typeface="Arial" panose="020B0604020202020204" pitchFamily="34" charset="0"/>
+                <a:buChar char="•"/>
+              </a:pPr>
+              <a:r>
+                <a:rPr lang="en-GB" sz="1200" dirty="0"/>
+                <a:t>We consolidated essential information into a single, user-friendly website, eliminating the need to scour multiple sources.</a:t>
+              </a:r>
+            </a:p>
+            <a:p>
+              <a:pPr marL="171450" indent="-171450">
+                <a:spcAft>
+                  <a:spcPts val="600"/>
+                </a:spcAft>
+                <a:buFont typeface="Arial" panose="020B0604020202020204" pitchFamily="34" charset="0"/>
+                <a:buChar char="•"/>
+              </a:pPr>
+              <a:r>
+                <a:rPr lang="en-GB" sz="1200" dirty="0"/>
+                <a:t>By presenting a clear and comprehensive overview, we save users countless hours of searching the internet, simplifying their journey to understanding the topic.</a:t>
+              </a:r>
+            </a:p>
+            <a:p>
+              <a:pPr marL="171450" indent="-171450">
+                <a:spcAft>
+                  <a:spcPts val="600"/>
+                </a:spcAft>
+                <a:buFont typeface="Arial" panose="020B0604020202020204" pitchFamily="34" charset="0"/>
+                <a:buChar char="•"/>
+              </a:pPr>
+              <a:r>
+                <a:rPr lang="en-GB" sz="1200" dirty="0"/>
+                <a:t>We transformed the complexity of scattered data into an organized, visually appealing format, reducing information overload and ensuring an intuitive and engaging user experience.</a:t>
+              </a:r>
+            </a:p>
+            <a:p>
+              <a:pPr marL="171450" indent="-171450">
+                <a:spcAft>
+                  <a:spcPts val="600"/>
+                </a:spcAft>
+                <a:buFont typeface="Arial" panose="020B0604020202020204" pitchFamily="34" charset="0"/>
+                <a:buChar char="•"/>
+              </a:pPr>
+              <a:r>
+                <a:rPr lang="en-GB" sz="1200" dirty="0"/>
+                <a:t>Our approach not only simplifies data accessibility but also empowers users with meaningful insights through a clean and structured representation.</a:t>
+              </a:r>
+              <a:endParaRPr lang="en-GB" sz="1200" b="1" dirty="0"/>
+            </a:p>
+          </p:txBody>
+        </p:sp>
+        <p:sp>
+          <p:nvSpPr>
+            <p:cNvPr id="16" name="Textfeld 15">
+              <a:extLst>
+                <a:ext uri="{FF2B5EF4-FFF2-40B4-BE49-F238E27FC236}">
+                  <a16:creationId xmlns:a16="http://schemas.microsoft.com/office/drawing/2014/main" id="{3F1E786A-1735-4425-99CD-33A905F77F28}"/>
+                </a:ext>
+              </a:extLst>
+            </p:cNvPr>
+            <p:cNvSpPr txBox="1"/>
+            <p:nvPr/>
+          </p:nvSpPr>
+          <p:spPr>
+            <a:xfrm>
+              <a:off x="5451599" y="9002546"/>
+              <a:ext cx="4787488" cy="252000"/>
+            </a:xfrm>
+            <a:prstGeom prst="rect">
+              <a:avLst/>
+            </a:prstGeom>
+            <a:noFill/>
+            <a:ln>
+              <a:noFill/>
+            </a:ln>
+          </p:spPr>
+          <p:txBody>
+            <a:bodyPr wrap="square" lIns="0" tIns="0" rIns="0" bIns="0" rtlCol="0">
+              <a:noAutofit/>
+            </a:bodyPr>
+            <a:lstStyle/>
+            <a:p>
+              <a:pPr algn="l">
+                <a:lnSpc>
+                  <a:spcPts val="1550"/>
+                </a:lnSpc>
+                <a:spcBef>
+                  <a:spcPts val="200"/>
+                </a:spcBef>
+              </a:pPr>
+              <a:r>
+                <a:rPr lang="en-GB" sz="1600" b="1" dirty="0">
+                  <a:solidFill>
+                    <a:schemeClr val="accent1"/>
+                  </a:solidFill>
+                </a:rPr>
+                <a:t>5 Problems Solved</a:t>
+              </a:r>
+            </a:p>
+          </p:txBody>
+        </p:sp>
+        <p:sp>
+          <p:nvSpPr>
+            <p:cNvPr id="47" name="Rectangle 46">
+              <a:extLst>
+                <a:ext uri="{FF2B5EF4-FFF2-40B4-BE49-F238E27FC236}">
+                  <a16:creationId xmlns:a16="http://schemas.microsoft.com/office/drawing/2014/main" id="{B2D534CE-4E18-7F0C-3D67-CB3BBEA5773B}"/>
+                </a:ext>
+              </a:extLst>
+            </p:cNvPr>
+            <p:cNvSpPr/>
+            <p:nvPr/>
+          </p:nvSpPr>
+          <p:spPr>
+            <a:xfrm>
+              <a:off x="5463971" y="8862573"/>
+              <a:ext cx="4780799" cy="148315"/>
+            </a:xfrm>
+            <a:prstGeom prst="rect">
+              <a:avLst/>
+            </a:prstGeom>
+            <a:noFill/>
+            <a:ln>
+              <a:noFill/>
+            </a:ln>
+          </p:spPr>
+          <p:style>
+            <a:lnRef idx="2">
+              <a:schemeClr val="accent1">
+                <a:shade val="15000"/>
+              </a:schemeClr>
+            </a:lnRef>
+            <a:fillRef idx="1">
+              <a:schemeClr val="accent1"/>
+            </a:fillRef>
+            <a:effectRef idx="0">
+              <a:schemeClr val="accent1"/>
+            </a:effectRef>
+            <a:fontRef idx="minor">
+              <a:schemeClr val="lt1"/>
+            </a:fontRef>
+          </p:style>
+          <p:txBody>
+            <a:bodyPr rtlCol="0" anchor="ctr"/>
+            <a:lstStyle/>
+            <a:p>
+              <a:pPr algn="ctr"/>
+              <a:endParaRPr lang="en-GB"/>
+            </a:p>
+          </p:txBody>
+        </p:sp>
+      </p:grpSp>
+      <p:grpSp>
+        <p:nvGrpSpPr>
+          <p:cNvPr id="78" name="Group 77">
+            <a:extLst>
+              <a:ext uri="{FF2B5EF4-FFF2-40B4-BE49-F238E27FC236}">
+                <a16:creationId xmlns:a16="http://schemas.microsoft.com/office/drawing/2014/main" id="{54CBFBAE-2D6D-421B-80C4-3DDB45F2B93A}"/>
+              </a:ext>
+            </a:extLst>
+          </p:cNvPr>
+          <p:cNvGrpSpPr/>
+          <p:nvPr/>
+        </p:nvGrpSpPr>
+        <p:grpSpPr>
+          <a:xfrm>
+            <a:off x="5451599" y="12703991"/>
+            <a:ext cx="4793171" cy="1384914"/>
+            <a:chOff x="5451599" y="12703991"/>
+            <a:chExt cx="4793171" cy="1384914"/>
+          </a:xfrm>
+        </p:grpSpPr>
+        <p:sp>
+          <p:nvSpPr>
+            <p:cNvPr id="18" name="Textfeld 17">
+              <a:extLst>
+                <a:ext uri="{FF2B5EF4-FFF2-40B4-BE49-F238E27FC236}">
+                  <a16:creationId xmlns:a16="http://schemas.microsoft.com/office/drawing/2014/main" id="{ACEFA9A8-BB0B-4C0D-B4D7-F65E05300C07}"/>
+                </a:ext>
+              </a:extLst>
+            </p:cNvPr>
+            <p:cNvSpPr txBox="1"/>
+            <p:nvPr/>
+          </p:nvSpPr>
+          <p:spPr>
+            <a:xfrm>
+              <a:off x="5451599" y="12855353"/>
+              <a:ext cx="4788000" cy="252000"/>
+            </a:xfrm>
+            <a:prstGeom prst="rect">
+              <a:avLst/>
+            </a:prstGeom>
+            <a:noFill/>
+            <a:ln>
+              <a:noFill/>
+            </a:ln>
+          </p:spPr>
+          <p:txBody>
+            <a:bodyPr wrap="square" lIns="0" tIns="0" rIns="0" bIns="0" rtlCol="0">
+              <a:noAutofit/>
+            </a:bodyPr>
+            <a:lstStyle/>
+            <a:p>
+              <a:pPr algn="l">
+                <a:lnSpc>
+                  <a:spcPts val="1550"/>
+                </a:lnSpc>
+                <a:spcBef>
+                  <a:spcPts val="200"/>
+                </a:spcBef>
+              </a:pPr>
+              <a:r>
+                <a:rPr lang="en-GB" sz="1200" b="1" dirty="0">
+                  <a:solidFill>
+                    <a:schemeClr val="accent1"/>
+                  </a:solidFill>
+                </a:rPr>
+                <a:t>Links</a:t>
+              </a:r>
+            </a:p>
+          </p:txBody>
+        </p:sp>
+        <p:sp>
+          <p:nvSpPr>
+            <p:cNvPr id="19" name="Textfeld 18">
+              <a:extLst>
+                <a:ext uri="{FF2B5EF4-FFF2-40B4-BE49-F238E27FC236}">
+                  <a16:creationId xmlns:a16="http://schemas.microsoft.com/office/drawing/2014/main" id="{BE2192F5-5947-48B4-B856-CE73794BBCC5}"/>
+                </a:ext>
+              </a:extLst>
+            </p:cNvPr>
+            <p:cNvSpPr txBox="1"/>
+            <p:nvPr/>
+          </p:nvSpPr>
+          <p:spPr>
+            <a:xfrm>
+              <a:off x="5451737" y="13116905"/>
+              <a:ext cx="3601613" cy="972000"/>
+            </a:xfrm>
+            <a:prstGeom prst="rect">
+              <a:avLst/>
+            </a:prstGeom>
+            <a:solidFill>
+              <a:schemeClr val="bg2">
+                <a:lumMod val="95000"/>
+              </a:schemeClr>
+            </a:solidFill>
+            <a:ln>
+              <a:noFill/>
+            </a:ln>
+          </p:spPr>
+          <p:txBody>
+            <a:bodyPr wrap="square" lIns="180000" tIns="180000" rIns="180000" bIns="180000" rtlCol="0">
+              <a:noAutofit/>
+            </a:bodyPr>
+            <a:lstStyle/>
+            <a:p>
+              <a:pPr>
+                <a:spcAft>
+                  <a:spcPts val="300"/>
+                </a:spcAft>
+              </a:pPr>
+              <a:r>
+                <a:rPr lang="en-GB" sz="700" dirty="0"/>
+                <a:t>To visit our website, follow this link: </a:t>
+              </a:r>
+              <a:r>
+                <a:rPr lang="en-GB" sz="700" b="1" u="sng" dirty="0"/>
+                <a:t>Filler</a:t>
+              </a:r>
+              <a:r>
+                <a:rPr lang="en-GB" sz="700" dirty="0"/>
+                <a:t> or use the QR code on the side</a:t>
+              </a:r>
+            </a:p>
+            <a:p>
+              <a:pPr marL="108000" indent="-108000">
+                <a:spcAft>
+                  <a:spcPts val="300"/>
+                </a:spcAft>
+                <a:buFont typeface="+mj-lt"/>
+                <a:buAutoNum type="arabicPeriod"/>
+              </a:pPr>
+              <a:r>
+                <a:rPr lang="en-GB" sz="700" dirty="0">
+                  <a:hlinkClick r:id="rId2">
+                    <a:extLst>
+                      <a:ext uri="{A12FA001-AC4F-418D-AE19-62706E023703}">
+                        <ahyp:hlinkClr xmlns:ahyp="http://schemas.microsoft.com/office/drawing/2018/hyperlinkcolor" val="tx"/>
+                      </a:ext>
+                    </a:extLst>
+                  </a:hlinkClick>
+                </a:rPr>
+                <a:t>https://nextjs.org/</a:t>
+              </a:r>
+              <a:endParaRPr lang="en-GB" sz="700" dirty="0"/>
+            </a:p>
+            <a:p>
+              <a:pPr marL="108000" indent="-108000">
+                <a:spcAft>
+                  <a:spcPts val="300"/>
+                </a:spcAft>
+                <a:buFont typeface="+mj-lt"/>
+                <a:buAutoNum type="arabicPeriod"/>
+              </a:pPr>
+              <a:r>
+                <a:rPr lang="en-GB" sz="700" dirty="0">
+                  <a:hlinkClick r:id="rId3">
+                    <a:extLst>
+                      <a:ext uri="{A12FA001-AC4F-418D-AE19-62706E023703}">
+                        <ahyp:hlinkClr xmlns:ahyp="http://schemas.microsoft.com/office/drawing/2018/hyperlinkcolor" val="tx"/>
+                      </a:ext>
+                    </a:extLst>
+                  </a:hlinkClick>
+                </a:rPr>
+                <a:t>https://ui.shadcn.com/</a:t>
+              </a:r>
+              <a:endParaRPr lang="en-GB" sz="700" dirty="0"/>
+            </a:p>
+            <a:p>
+              <a:pPr marL="108000" indent="-108000">
+                <a:spcAft>
+                  <a:spcPts val="300"/>
+                </a:spcAft>
+                <a:buFont typeface="+mj-lt"/>
+                <a:buAutoNum type="arabicPeriod"/>
+              </a:pPr>
+              <a:r>
+                <a:rPr lang="en-GB" sz="700" dirty="0">
+                  <a:hlinkClick r:id="rId4">
+                    <a:extLst>
+                      <a:ext uri="{A12FA001-AC4F-418D-AE19-62706E023703}">
+                        <ahyp:hlinkClr xmlns:ahyp="http://schemas.microsoft.com/office/drawing/2018/hyperlinkcolor" val="tx"/>
+                      </a:ext>
+                    </a:extLst>
+                  </a:hlinkClick>
+                </a:rPr>
+                <a:t>https://supabase.com/</a:t>
+              </a:r>
+              <a:endParaRPr lang="en-GB" sz="700" dirty="0"/>
+            </a:p>
+            <a:p>
+              <a:pPr>
+                <a:spcAft>
+                  <a:spcPts val="300"/>
+                </a:spcAft>
+              </a:pPr>
+              <a:endParaRPr lang="en-GB" sz="700" dirty="0"/>
+            </a:p>
+          </p:txBody>
+        </p:sp>
+        <p:sp>
+          <p:nvSpPr>
+            <p:cNvPr id="33" name="Rectangle 32">
+              <a:extLst>
+                <a:ext uri="{FF2B5EF4-FFF2-40B4-BE49-F238E27FC236}">
+                  <a16:creationId xmlns:a16="http://schemas.microsoft.com/office/drawing/2014/main" id="{E010FC5E-EBE0-6818-5ADF-621FE538FFEF}"/>
+                </a:ext>
+              </a:extLst>
+            </p:cNvPr>
+            <p:cNvSpPr/>
+            <p:nvPr/>
+          </p:nvSpPr>
+          <p:spPr>
+            <a:xfrm>
+              <a:off x="9267599" y="13105265"/>
+              <a:ext cx="972000" cy="972000"/>
+            </a:xfrm>
+            <a:prstGeom prst="rect">
+              <a:avLst/>
+            </a:prstGeom>
+            <a:blipFill dpi="0" rotWithShape="1">
+              <a:blip r:embed="rId5">
+                <a:extLst>
+                  <a:ext uri="{28A0092B-C50C-407E-A947-70E740481C1C}">
+                    <a14:useLocalDpi xmlns:a14="http://schemas.microsoft.com/office/drawing/2010/main" val="0"/>
+                  </a:ext>
+                </a:extLst>
+              </a:blip>
+              <a:srcRect/>
+              <a:stretch>
+                <a:fillRect/>
+              </a:stretch>
+            </a:blipFill>
+            <a:ln>
+              <a:noFill/>
+            </a:ln>
+          </p:spPr>
+          <p:style>
+            <a:lnRef idx="2">
+              <a:schemeClr val="accent6">
+                <a:shade val="15000"/>
+              </a:schemeClr>
+            </a:lnRef>
+            <a:fillRef idx="1">
+              <a:schemeClr val="accent6"/>
+            </a:fillRef>
+            <a:effectRef idx="0">
+              <a:schemeClr val="accent6"/>
+            </a:effectRef>
+            <a:fontRef idx="minor">
+              <a:schemeClr val="lt1"/>
+            </a:fontRef>
+          </p:style>
+          <p:txBody>
+            <a:bodyPr rtlCol="0" anchor="ctr"/>
+            <a:lstStyle/>
+            <a:p>
+              <a:pPr algn="ctr"/>
+              <a:endParaRPr lang="en-GB" dirty="0"/>
+            </a:p>
+          </p:txBody>
+        </p:sp>
+        <p:sp>
+          <p:nvSpPr>
+            <p:cNvPr id="50" name="Rectangle 49">
+              <a:extLst>
+                <a:ext uri="{FF2B5EF4-FFF2-40B4-BE49-F238E27FC236}">
+                  <a16:creationId xmlns:a16="http://schemas.microsoft.com/office/drawing/2014/main" id="{6E35E973-A33F-1C7B-30B9-B6C2714CC183}"/>
+                </a:ext>
+              </a:extLst>
+            </p:cNvPr>
+            <p:cNvSpPr/>
+            <p:nvPr/>
+          </p:nvSpPr>
+          <p:spPr>
+            <a:xfrm>
+              <a:off x="5463971" y="12703991"/>
+              <a:ext cx="4780799" cy="148315"/>
+            </a:xfrm>
+            <a:prstGeom prst="rect">
+              <a:avLst/>
+            </a:prstGeom>
+            <a:noFill/>
+            <a:ln>
+              <a:noFill/>
+            </a:ln>
+          </p:spPr>
+          <p:style>
+            <a:lnRef idx="2">
+              <a:schemeClr val="accent1">
+                <a:shade val="15000"/>
+              </a:schemeClr>
+            </a:lnRef>
+            <a:fillRef idx="1">
+              <a:schemeClr val="accent1"/>
+            </a:fillRef>
+            <a:effectRef idx="0">
+              <a:schemeClr val="accent1"/>
+            </a:effectRef>
+            <a:fontRef idx="minor">
+              <a:schemeClr val="lt1"/>
+            </a:fontRef>
+          </p:style>
+          <p:txBody>
+            <a:bodyPr rtlCol="0" anchor="ctr"/>
+            <a:lstStyle/>
+            <a:p>
+              <a:pPr algn="ctr"/>
+              <a:endParaRPr lang="en-GB"/>
+            </a:p>
+          </p:txBody>
+        </p:sp>
+      </p:grpSp>
+      <p:sp>
+        <p:nvSpPr>
+          <p:cNvPr id="65" name="Rectangle 64">
+            <a:extLst>
+              <a:ext uri="{FF2B5EF4-FFF2-40B4-BE49-F238E27FC236}">
+                <a16:creationId xmlns:a16="http://schemas.microsoft.com/office/drawing/2014/main" id="{5DB6FF0F-B433-87EA-D987-2761E05EAB5E}"/>
+              </a:ext>
+            </a:extLst>
+          </p:cNvPr>
+          <p:cNvSpPr/>
+          <p:nvPr/>
+        </p:nvSpPr>
+        <p:spPr>
+          <a:xfrm>
+            <a:off x="456364" y="3450548"/>
+            <a:ext cx="4780799" cy="148315"/>
           </a:xfrm>
           <a:prstGeom prst="rect">
             <a:avLst/>
           </a:prstGeom>
           <a:noFill/>
-        </p:spPr>
-        <p:txBody>
-          <a:bodyPr wrap="square" lIns="0" tIns="0" rIns="0" bIns="0" rtlCol="0">
-            <a:noAutofit/>
-          </a:bodyPr>
+          <a:ln>
+            <a:noFill/>
+          </a:ln>
+        </p:spPr>
+        <p:style>
+          <a:lnRef idx="2">
+            <a:schemeClr val="accent1">
+              <a:shade val="15000"/>
+            </a:schemeClr>
+          </a:lnRef>
+          <a:fillRef idx="1">
+            <a:schemeClr val="accent1"/>
+          </a:fillRef>
+          <a:effectRef idx="0">
+            <a:schemeClr val="accent1"/>
+          </a:effectRef>
+          <a:fontRef idx="minor">
+            <a:schemeClr val="lt1"/>
+          </a:fontRef>
+        </p:style>
+        <p:txBody>
+          <a:bodyPr rtlCol="0" anchor="ctr"/>
           <a:lstStyle/>
           <a:p>
-            <a:pPr algn="l">
-              <a:lnSpc>
-                <a:spcPts val="1550"/>
-              </a:lnSpc>
-              <a:spcBef>
-                <a:spcPts val="200"/>
-              </a:spcBef>
-            </a:pPr>
-            <a:r>
-              <a:rPr lang="en-US" sz="1600" dirty="0">
-                <a:solidFill>
-                  <a:schemeClr val="accent1"/>
-                </a:solidFill>
-              </a:rPr>
-              <a:t>4 User interaction workflow</a:t>
-            </a:r>
-          </a:p>
-        </p:txBody>
-      </p:sp>
-      <p:sp>
-        <p:nvSpPr>
-          <p:cNvPr id="16" name="Textfeld 15">
-            <a:extLst>
-              <a:ext uri="{FF2B5EF4-FFF2-40B4-BE49-F238E27FC236}">
-                <a16:creationId xmlns:a16="http://schemas.microsoft.com/office/drawing/2014/main" id="{3F1E786A-1735-4425-99CD-33A905F77F28}"/>
-              </a:ext>
-            </a:extLst>
-          </p:cNvPr>
-          <p:cNvSpPr txBox="1"/>
-          <p:nvPr/>
-        </p:nvSpPr>
-        <p:spPr>
-          <a:xfrm>
-            <a:off x="5454650" y="8861198"/>
-            <a:ext cx="4787488" cy="288000"/>
-          </a:xfrm>
-          <a:prstGeom prst="rect">
-            <a:avLst/>
-          </a:prstGeom>
-          <a:noFill/>
-        </p:spPr>
-        <p:txBody>
-          <a:bodyPr wrap="square" lIns="0" tIns="0" rIns="0" bIns="0" rtlCol="0">
-            <a:noAutofit/>
-          </a:bodyPr>
-          <a:lstStyle/>
-          <a:p>
-            <a:pPr algn="l">
-              <a:lnSpc>
-                <a:spcPts val="1550"/>
-              </a:lnSpc>
-              <a:spcBef>
-                <a:spcPts val="200"/>
-              </a:spcBef>
-            </a:pPr>
-            <a:r>
-              <a:rPr lang="en-US" sz="1600" dirty="0">
-                <a:solidFill>
-                  <a:schemeClr val="accent1"/>
-                </a:solidFill>
-              </a:rPr>
-              <a:t>5 Problems Solved</a:t>
-            </a:r>
-          </a:p>
-        </p:txBody>
-      </p:sp>
-      <p:sp>
-        <p:nvSpPr>
-          <p:cNvPr id="17" name="Textfeld 16">
-            <a:extLst>
-              <a:ext uri="{FF2B5EF4-FFF2-40B4-BE49-F238E27FC236}">
-                <a16:creationId xmlns:a16="http://schemas.microsoft.com/office/drawing/2014/main" id="{380F8438-A7AA-47F0-AE8C-1C69AF9F2031}"/>
-              </a:ext>
-            </a:extLst>
-          </p:cNvPr>
-          <p:cNvSpPr txBox="1"/>
-          <p:nvPr/>
-        </p:nvSpPr>
-        <p:spPr>
-          <a:xfrm>
-            <a:off x="449263" y="10829704"/>
-            <a:ext cx="4788000" cy="288000"/>
-          </a:xfrm>
-          <a:prstGeom prst="rect">
-            <a:avLst/>
-          </a:prstGeom>
-          <a:noFill/>
-        </p:spPr>
-        <p:txBody>
-          <a:bodyPr wrap="square" lIns="0" tIns="0" rIns="0" bIns="0" rtlCol="0">
-            <a:noAutofit/>
-          </a:bodyPr>
-          <a:lstStyle/>
-          <a:p>
-            <a:pPr algn="l">
-              <a:lnSpc>
-                <a:spcPts val="1550"/>
-              </a:lnSpc>
-              <a:spcBef>
-                <a:spcPts val="200"/>
-              </a:spcBef>
-            </a:pPr>
-            <a:r>
-              <a:rPr lang="en-US" sz="1600" dirty="0">
-                <a:solidFill>
-                  <a:schemeClr val="accent1"/>
-                </a:solidFill>
-              </a:rPr>
-              <a:t>3 Used Tools</a:t>
-            </a:r>
-          </a:p>
-        </p:txBody>
-      </p:sp>
-      <p:sp>
-        <p:nvSpPr>
-          <p:cNvPr id="18" name="Textfeld 17">
-            <a:extLst>
-              <a:ext uri="{FF2B5EF4-FFF2-40B4-BE49-F238E27FC236}">
-                <a16:creationId xmlns:a16="http://schemas.microsoft.com/office/drawing/2014/main" id="{ACEFA9A8-BB0B-4C0D-B4D7-F65E05300C07}"/>
-              </a:ext>
-            </a:extLst>
-          </p:cNvPr>
-          <p:cNvSpPr txBox="1"/>
-          <p:nvPr/>
-        </p:nvSpPr>
-        <p:spPr>
-          <a:xfrm>
-            <a:off x="5452249" y="12851973"/>
-            <a:ext cx="4788000" cy="252000"/>
-          </a:xfrm>
-          <a:prstGeom prst="rect">
-            <a:avLst/>
-          </a:prstGeom>
-          <a:noFill/>
-        </p:spPr>
-        <p:txBody>
-          <a:bodyPr wrap="square" lIns="0" tIns="0" rIns="0" bIns="0" rtlCol="0">
-            <a:noAutofit/>
-          </a:bodyPr>
-          <a:lstStyle/>
-          <a:p>
-            <a:pPr algn="l">
-              <a:lnSpc>
-                <a:spcPts val="1550"/>
-              </a:lnSpc>
-              <a:spcBef>
-                <a:spcPts val="200"/>
-              </a:spcBef>
-            </a:pPr>
-            <a:r>
-              <a:rPr lang="en-US" sz="1200" dirty="0">
-                <a:solidFill>
-                  <a:schemeClr val="accent1"/>
-                </a:solidFill>
-              </a:rPr>
-              <a:t>References</a:t>
-            </a:r>
-          </a:p>
-        </p:txBody>
-      </p:sp>
-      <p:sp>
-        <p:nvSpPr>
-          <p:cNvPr id="19" name="Textfeld 18">
-            <a:extLst>
-              <a:ext uri="{FF2B5EF4-FFF2-40B4-BE49-F238E27FC236}">
-                <a16:creationId xmlns:a16="http://schemas.microsoft.com/office/drawing/2014/main" id="{BE2192F5-5947-48B4-B856-CE73794BBCC5}"/>
-              </a:ext>
-            </a:extLst>
-          </p:cNvPr>
-          <p:cNvSpPr txBox="1"/>
-          <p:nvPr/>
-        </p:nvSpPr>
-        <p:spPr>
-          <a:xfrm>
-            <a:off x="5452387" y="13104000"/>
-            <a:ext cx="3601613" cy="972000"/>
-          </a:xfrm>
-          <a:prstGeom prst="rect">
-            <a:avLst/>
-          </a:prstGeom>
-          <a:solidFill>
-            <a:schemeClr val="bg2">
-              <a:lumMod val="95000"/>
-            </a:schemeClr>
-          </a:solidFill>
-        </p:spPr>
-        <p:txBody>
-          <a:bodyPr wrap="square" lIns="180000" tIns="180000" rIns="180000" bIns="180000" rtlCol="0">
-            <a:noAutofit/>
-          </a:bodyPr>
-          <a:lstStyle/>
-          <a:p>
-            <a:pPr marL="108000" indent="-108000">
-              <a:spcAft>
-                <a:spcPts val="300"/>
-              </a:spcAft>
-              <a:buFont typeface="+mj-lt"/>
-              <a:buAutoNum type="arabicPeriod"/>
-            </a:pPr>
-            <a:r>
-              <a:rPr lang="en-US" sz="700" dirty="0"/>
-              <a:t>This is a dummy text. Far </a:t>
-            </a:r>
-            <a:r>
-              <a:rPr lang="en-US" sz="700" dirty="0" err="1"/>
-              <a:t>far</a:t>
-            </a:r>
-            <a:r>
-              <a:rPr lang="en-US" sz="700" dirty="0"/>
-              <a:t> away, behind the word mountains, far from the countries </a:t>
-            </a:r>
-            <a:r>
-              <a:rPr lang="en-US" sz="700" dirty="0" err="1"/>
-              <a:t>Vokalia</a:t>
-            </a:r>
-            <a:r>
-              <a:rPr lang="en-US" sz="700" dirty="0"/>
-              <a:t> and </a:t>
-            </a:r>
-            <a:r>
-              <a:rPr lang="en-US" sz="700" dirty="0" err="1"/>
-              <a:t>Consonantia</a:t>
-            </a:r>
-            <a:r>
-              <a:rPr lang="en-US" sz="700" dirty="0"/>
-              <a:t>, there live the blind texts. </a:t>
-            </a:r>
-          </a:p>
-          <a:p>
-            <a:pPr marL="108000" indent="-108000">
-              <a:spcAft>
-                <a:spcPts val="300"/>
-              </a:spcAft>
-              <a:buFont typeface="+mj-lt"/>
-              <a:buAutoNum type="arabicPeriod"/>
-            </a:pPr>
-            <a:r>
-              <a:rPr lang="en-US" sz="700" dirty="0"/>
-              <a:t>Separated they live in </a:t>
-            </a:r>
-            <a:r>
-              <a:rPr lang="en-US" sz="700" dirty="0" err="1"/>
-              <a:t>Bookmarksgrove</a:t>
-            </a:r>
-            <a:r>
-              <a:rPr lang="en-US" sz="700" dirty="0"/>
-              <a:t> right at the coast of the Semantics, a large language ocean.</a:t>
-            </a:r>
+            <a:pPr algn="ctr"/>
+            <a:endParaRPr lang="en-GB"/>
           </a:p>
         </p:txBody>
       </p:sp>
       <p:pic>
         <p:nvPicPr>
-          <p:cNvPr id="26" name="Grafik 25" descr="Image outline">
-            <a:extLst>
-              <a:ext uri="{FF2B5EF4-FFF2-40B4-BE49-F238E27FC236}">
-                <a16:creationId xmlns:a16="http://schemas.microsoft.com/office/drawing/2014/main" id="{5D3EB56A-9501-4ED4-85B5-F164D5A2B347}"/>
+          <p:cNvPr id="40" name="Picture 39" descr="A cartoon face with a black background&#10;&#10;Description automatically generated">
+            <a:extLst>
+              <a:ext uri="{FF2B5EF4-FFF2-40B4-BE49-F238E27FC236}">
+                <a16:creationId xmlns:a16="http://schemas.microsoft.com/office/drawing/2014/main" id="{62F3894E-BF2E-EAEC-46FD-19CED948795A}"/>
               </a:ext>
             </a:extLst>
           </p:cNvPr>
@@ -12406,258 +12406,36 @@
           <p:nvPr/>
         </p:nvPicPr>
         <p:blipFill>
-          <a:blip r:embed="rId2">
-            <a:extLst>
-              <a:ext uri="{96DAC541-7B7A-43D3-8B79-37D633B846F1}">
-                <asvg:svgBlip xmlns:asvg="http://schemas.microsoft.com/office/drawing/2016/SVG/main" r:embed="rId3"/>
+          <a:blip r:embed="rId6">
+            <a:extLst>
+              <a:ext uri="{28A0092B-C50C-407E-A947-70E740481C1C}">
+                <a14:useLocalDpi xmlns:a14="http://schemas.microsoft.com/office/drawing/2010/main" val="0"/>
               </a:ext>
             </a:extLst>
           </a:blip>
-          <a:srcRect t="15934" b="15934"/>
-          <a:stretch/>
+          <a:stretch>
+            <a:fillRect/>
+          </a:stretch>
         </p:blipFill>
         <p:spPr>
           <a:xfrm>
-            <a:off x="5982813" y="5659676"/>
-            <a:ext cx="3359168" cy="2288648"/>
+            <a:off x="9370343" y="1356747"/>
+            <a:ext cx="829013" cy="829013"/>
           </a:xfrm>
           <a:prstGeom prst="rect">
             <a:avLst/>
           </a:prstGeom>
+          <a:ln>
+            <a:noFill/>
+          </a:ln>
         </p:spPr>
       </p:pic>
-      <p:sp>
-        <p:nvSpPr>
-          <p:cNvPr id="27" name="Textfeld 26">
-            <a:extLst>
-              <a:ext uri="{FF2B5EF4-FFF2-40B4-BE49-F238E27FC236}">
-                <a16:creationId xmlns:a16="http://schemas.microsoft.com/office/drawing/2014/main" id="{B13F6C14-5548-4C19-A80E-D35E6754ADBC}"/>
-              </a:ext>
-            </a:extLst>
-          </p:cNvPr>
-          <p:cNvSpPr txBox="1"/>
-          <p:nvPr/>
-        </p:nvSpPr>
-        <p:spPr>
-          <a:xfrm>
-            <a:off x="5452387" y="8116816"/>
-            <a:ext cx="4788000" cy="540000"/>
-          </a:xfrm>
-          <a:prstGeom prst="rect">
-            <a:avLst/>
-          </a:prstGeom>
-          <a:noFill/>
-        </p:spPr>
-        <p:txBody>
-          <a:bodyPr wrap="square" lIns="180000" tIns="0" rIns="180000" bIns="180000" rtlCol="0" anchor="b" anchorCtr="0">
-            <a:noAutofit/>
-          </a:bodyPr>
-          <a:lstStyle/>
-          <a:p>
-            <a:r>
-              <a:rPr lang="en-US" sz="700" dirty="0" err="1"/>
-              <a:t>Infotext</a:t>
-            </a:r>
-            <a:r>
-              <a:rPr lang="en-US" sz="700" dirty="0"/>
-              <a:t>. Lorem ipsum dolor sit </a:t>
-            </a:r>
-            <a:r>
-              <a:rPr lang="en-US" sz="700" dirty="0" err="1"/>
-              <a:t>amet</a:t>
-            </a:r>
-            <a:r>
-              <a:rPr lang="en-US" sz="700" dirty="0"/>
-              <a:t>, </a:t>
-            </a:r>
-            <a:r>
-              <a:rPr lang="en-US" sz="700" dirty="0" err="1"/>
-              <a:t>consectetur</a:t>
-            </a:r>
-            <a:r>
-              <a:rPr lang="en-US" sz="700" dirty="0"/>
-              <a:t> </a:t>
-            </a:r>
-            <a:r>
-              <a:rPr lang="en-US" sz="700" dirty="0" err="1"/>
-              <a:t>adipiscing</a:t>
-            </a:r>
-            <a:r>
-              <a:rPr lang="en-US" sz="700" dirty="0"/>
-              <a:t> </a:t>
-            </a:r>
-            <a:r>
-              <a:rPr lang="en-US" sz="700" dirty="0" err="1"/>
-              <a:t>elit</a:t>
-            </a:r>
-            <a:r>
-              <a:rPr lang="en-US" sz="700" dirty="0"/>
-              <a:t>, sed do </a:t>
-            </a:r>
-            <a:r>
-              <a:rPr lang="en-US" sz="700" dirty="0" err="1"/>
-              <a:t>eiusmod</a:t>
-            </a:r>
-            <a:r>
-              <a:rPr lang="en-US" sz="700" dirty="0"/>
-              <a:t> </a:t>
-            </a:r>
-            <a:r>
-              <a:rPr lang="en-US" sz="700" dirty="0" err="1"/>
-              <a:t>tempor</a:t>
-            </a:r>
-            <a:r>
-              <a:rPr lang="en-US" sz="700" dirty="0"/>
-              <a:t> </a:t>
-            </a:r>
-            <a:r>
-              <a:rPr lang="en-US" sz="700" dirty="0" err="1"/>
-              <a:t>incididunt</a:t>
-            </a:r>
-            <a:r>
-              <a:rPr lang="en-US" sz="700" dirty="0"/>
-              <a:t> </a:t>
-            </a:r>
-            <a:r>
-              <a:rPr lang="en-US" sz="700" dirty="0" err="1"/>
-              <a:t>ut</a:t>
-            </a:r>
-            <a:r>
-              <a:rPr lang="en-US" sz="700" dirty="0"/>
-              <a:t> </a:t>
-            </a:r>
-            <a:r>
-              <a:rPr lang="en-US" sz="700" dirty="0" err="1"/>
-              <a:t>labore</a:t>
-            </a:r>
-            <a:r>
-              <a:rPr lang="en-US" sz="700" dirty="0"/>
-              <a:t> et dolore magna </a:t>
-            </a:r>
-            <a:r>
-              <a:rPr lang="en-US" sz="700" dirty="0" err="1"/>
-              <a:t>aliqua</a:t>
-            </a:r>
-            <a:r>
-              <a:rPr lang="en-US" sz="700" dirty="0"/>
-              <a:t>. Ut </a:t>
-            </a:r>
-            <a:r>
-              <a:rPr lang="en-US" sz="700" dirty="0" err="1"/>
-              <a:t>enim</a:t>
-            </a:r>
-            <a:r>
-              <a:rPr lang="en-US" sz="700" dirty="0"/>
-              <a:t> ad minim </a:t>
-            </a:r>
-            <a:r>
-              <a:rPr lang="en-US" sz="700" dirty="0" err="1"/>
-              <a:t>veniam</a:t>
-            </a:r>
-            <a:r>
-              <a:rPr lang="en-US" sz="700" dirty="0"/>
-              <a:t>, </a:t>
-            </a:r>
-            <a:r>
-              <a:rPr lang="en-US" sz="700" dirty="0" err="1"/>
-              <a:t>quis</a:t>
-            </a:r>
-            <a:r>
-              <a:rPr lang="en-US" sz="700" dirty="0"/>
-              <a:t> </a:t>
-            </a:r>
-            <a:r>
-              <a:rPr lang="en-US" sz="700" dirty="0" err="1"/>
-              <a:t>nostrud</a:t>
-            </a:r>
-            <a:r>
-              <a:rPr lang="en-US" sz="700" dirty="0"/>
-              <a:t> exercitation </a:t>
-            </a:r>
-            <a:r>
-              <a:rPr lang="en-US" sz="700" dirty="0" err="1"/>
-              <a:t>ullamco</a:t>
-            </a:r>
-            <a:r>
-              <a:rPr lang="en-US" sz="700" dirty="0"/>
-              <a:t> </a:t>
-            </a:r>
-            <a:r>
-              <a:rPr lang="en-US" sz="700" dirty="0" err="1"/>
-              <a:t>laboris</a:t>
-            </a:r>
-            <a:r>
-              <a:rPr lang="en-US" sz="700" dirty="0"/>
-              <a:t> nisi </a:t>
-            </a:r>
-            <a:r>
-              <a:rPr lang="en-US" sz="700" dirty="0" err="1"/>
-              <a:t>ut</a:t>
-            </a:r>
-            <a:r>
-              <a:rPr lang="en-US" sz="700" dirty="0"/>
-              <a:t> </a:t>
-            </a:r>
-            <a:r>
-              <a:rPr lang="en-US" sz="700" dirty="0" err="1"/>
-              <a:t>aliquip</a:t>
-            </a:r>
-            <a:r>
-              <a:rPr lang="en-US" sz="700" dirty="0"/>
-              <a:t> </a:t>
-            </a:r>
-            <a:r>
-              <a:rPr lang="en-US" sz="700" dirty="0" err="1"/>
-              <a:t>exter</a:t>
-            </a:r>
-            <a:r>
-              <a:rPr lang="en-US" sz="700" dirty="0"/>
-              <a:t>.</a:t>
-            </a:r>
-          </a:p>
-        </p:txBody>
-      </p:sp>
-      <p:sp>
-        <p:nvSpPr>
-          <p:cNvPr id="28" name="Textfeld 27">
-            <a:extLst>
-              <a:ext uri="{FF2B5EF4-FFF2-40B4-BE49-F238E27FC236}">
-                <a16:creationId xmlns:a16="http://schemas.microsoft.com/office/drawing/2014/main" id="{D46EAE26-92FD-4D9C-B0F5-71F895A017B2}"/>
-              </a:ext>
-            </a:extLst>
-          </p:cNvPr>
-          <p:cNvSpPr txBox="1"/>
-          <p:nvPr/>
-        </p:nvSpPr>
-        <p:spPr>
-          <a:xfrm>
-            <a:off x="449263" y="10132816"/>
-            <a:ext cx="4787263" cy="540000"/>
-          </a:xfrm>
-          <a:prstGeom prst="rect">
-            <a:avLst/>
-          </a:prstGeom>
-          <a:noFill/>
-        </p:spPr>
-        <p:txBody>
-          <a:bodyPr wrap="square" lIns="180000" tIns="0" rIns="180000" bIns="180000" rtlCol="0" anchor="b" anchorCtr="0">
-            <a:noAutofit/>
-          </a:bodyPr>
-          <a:lstStyle/>
-          <a:p>
-            <a:r>
-              <a:rPr lang="en-US" sz="700"/>
-              <a:t>Infotext. Lorem ipsum dolor sit amet, consectetur adipiscing elit, sed do eiusmod tempor incididunt ut labore et dolore magna aliqua. Ut enim ad minim veniam, quis nostrud exercitation ullamco laboris nisi ut aliquip exter.</a:t>
-            </a:r>
-          </a:p>
-        </p:txBody>
-      </p:sp>
       <p:pic>
         <p:nvPicPr>
-          <p:cNvPr id="32" name="Grafik 31" descr="Image outline">
-            <a:extLst>
-              <a:ext uri="{FF2B5EF4-FFF2-40B4-BE49-F238E27FC236}">
-                <a16:creationId xmlns:a16="http://schemas.microsoft.com/office/drawing/2014/main" id="{75123C79-63FB-48FF-A5A3-66B717CB26C2}"/>
+          <p:cNvPr id="70" name="Picture 69" descr="A black background with a black square&#10;&#10;Description automatically generated with medium confidence">
+            <a:extLst>
+              <a:ext uri="{FF2B5EF4-FFF2-40B4-BE49-F238E27FC236}">
+                <a16:creationId xmlns:a16="http://schemas.microsoft.com/office/drawing/2014/main" id="{2CC7FA3C-CA3B-8D04-0056-4D369F120021}"/>
               </a:ext>
             </a:extLst>
           </p:cNvPr>
@@ -12667,931 +12445,822 @@
           <p:nvPr/>
         </p:nvPicPr>
         <p:blipFill>
-          <a:blip r:embed="rId2">
-            <a:extLst>
-              <a:ext uri="{96DAC541-7B7A-43D3-8B79-37D633B846F1}">
-                <asvg:svgBlip xmlns:asvg="http://schemas.microsoft.com/office/drawing/2016/SVG/main" r:embed="rId3"/>
+          <a:blip r:embed="rId7">
+            <a:extLst>
+              <a:ext uri="{28A0092B-C50C-407E-A947-70E740481C1C}">
+                <a14:useLocalDpi xmlns:a14="http://schemas.microsoft.com/office/drawing/2010/main" val="0"/>
               </a:ext>
             </a:extLst>
           </a:blip>
-          <a:srcRect t="15273" b="15273"/>
-          <a:stretch/>
+          <a:stretch>
+            <a:fillRect/>
+          </a:stretch>
         </p:blipFill>
         <p:spPr>
           <a:xfrm>
-            <a:off x="1122193" y="7725545"/>
-            <a:ext cx="3441402" cy="2390217"/>
+            <a:off x="9218697" y="14327177"/>
+            <a:ext cx="1020390" cy="373080"/>
           </a:xfrm>
           <a:prstGeom prst="rect">
             <a:avLst/>
           </a:prstGeom>
         </p:spPr>
       </p:pic>
-      <p:pic>
-        <p:nvPicPr>
-          <p:cNvPr id="34" name="Grafik 33" descr="Image outline">
-            <a:extLst>
-              <a:ext uri="{FF2B5EF4-FFF2-40B4-BE49-F238E27FC236}">
-                <a16:creationId xmlns:a16="http://schemas.microsoft.com/office/drawing/2014/main" id="{89D7D56F-7A6C-402B-A52A-80B4FF5E10AD}"/>
-              </a:ext>
-            </a:extLst>
-          </p:cNvPr>
-          <p:cNvPicPr>
-            <a:picLocks noChangeAspect="1"/>
-          </p:cNvPicPr>
+      <p:grpSp>
+        <p:nvGrpSpPr>
+          <p:cNvPr id="77" name="Group 76">
+            <a:extLst>
+              <a:ext uri="{FF2B5EF4-FFF2-40B4-BE49-F238E27FC236}">
+                <a16:creationId xmlns:a16="http://schemas.microsoft.com/office/drawing/2014/main" id="{F2F373C5-9720-A0F1-0F54-B81BB6A60926}"/>
+              </a:ext>
+            </a:extLst>
+          </p:cNvPr>
+          <p:cNvGrpSpPr/>
           <p:nvPr/>
-        </p:nvPicPr>
-        <p:blipFill>
-          <a:blip r:embed="rId2">
-            <a:extLst>
-              <a:ext uri="{96DAC541-7B7A-43D3-8B79-37D633B846F1}">
-                <asvg:svgBlip xmlns:asvg="http://schemas.microsoft.com/office/drawing/2016/SVG/main" r:embed="rId3"/>
-              </a:ext>
-            </a:extLst>
-          </a:blip>
-          <a:srcRect/>
-          <a:stretch/>
-        </p:blipFill>
-        <p:spPr>
-          <a:xfrm>
-            <a:off x="933654" y="12370430"/>
-            <a:ext cx="1528107" cy="1528107"/>
-          </a:xfrm>
-          <a:prstGeom prst="rect">
-            <a:avLst/>
-          </a:prstGeom>
-        </p:spPr>
-      </p:pic>
-      <p:pic>
-        <p:nvPicPr>
-          <p:cNvPr id="36" name="Grafik 35" descr="Image outline">
-            <a:extLst>
-              <a:ext uri="{FF2B5EF4-FFF2-40B4-BE49-F238E27FC236}">
-                <a16:creationId xmlns:a16="http://schemas.microsoft.com/office/drawing/2014/main" id="{A9783DE3-DD44-4058-A300-126B42CE3BFF}"/>
-              </a:ext>
-            </a:extLst>
-          </p:cNvPr>
-          <p:cNvPicPr>
-            <a:picLocks noChangeAspect="1"/>
-          </p:cNvPicPr>
-          <p:nvPr/>
-        </p:nvPicPr>
-        <p:blipFill>
-          <a:blip r:embed="rId2">
-            <a:extLst>
-              <a:ext uri="{96DAC541-7B7A-43D3-8B79-37D633B846F1}">
-                <asvg:svgBlip xmlns:asvg="http://schemas.microsoft.com/office/drawing/2016/SVG/main" r:embed="rId3"/>
-              </a:ext>
-            </a:extLst>
-          </a:blip>
-          <a:srcRect t="14028" b="14028"/>
-          <a:stretch/>
-        </p:blipFill>
-        <p:spPr>
-          <a:xfrm>
-            <a:off x="2945416" y="12370430"/>
-            <a:ext cx="2124000" cy="1528107"/>
-          </a:xfrm>
-          <a:prstGeom prst="rect">
-            <a:avLst/>
-          </a:prstGeom>
-        </p:spPr>
-      </p:pic>
-      <p:graphicFrame>
-        <p:nvGraphicFramePr>
-          <p:cNvPr id="39" name="Tabelle 39">
-            <a:extLst>
-              <a:ext uri="{FF2B5EF4-FFF2-40B4-BE49-F238E27FC236}">
-                <a16:creationId xmlns:a16="http://schemas.microsoft.com/office/drawing/2014/main" id="{FEB4E1AE-40A9-48EC-B94C-7FED907E7622}"/>
-              </a:ext>
-            </a:extLst>
-          </p:cNvPr>
-          <p:cNvGraphicFramePr>
-            <a:graphicFrameLocks noGrp="1"/>
-          </p:cNvGraphicFramePr>
-          <p:nvPr>
-            <p:extLst>
-              <p:ext uri="{D42A27DB-BD31-4B8C-83A1-F6EECF244321}">
-                <p14:modId xmlns:p14="http://schemas.microsoft.com/office/powerpoint/2010/main" val="1963940148"/>
-              </p:ext>
-            </p:extLst>
-          </p:nvPr>
-        </p:nvGraphicFramePr>
-        <p:xfrm>
-          <a:off x="5670143" y="11367723"/>
-          <a:ext cx="4356000" cy="1080000"/>
-        </p:xfrm>
-        <a:graphic>
-          <a:graphicData uri="http://schemas.openxmlformats.org/drawingml/2006/table">
-            <a:tbl>
-              <a:tblPr firstRow="1" bandRow="1">
-                <a:tableStyleId>{9D7B26C5-4107-4FEC-AEDC-1716B250A1EF}</a:tableStyleId>
-              </a:tblPr>
-              <a:tblGrid>
-                <a:gridCol w="2484000">
-                  <a:extLst>
-                    <a:ext uri="{9D8B030D-6E8A-4147-A177-3AD203B41FA5}">
-                      <a16:colId xmlns:a16="http://schemas.microsoft.com/office/drawing/2014/main" val="3440365527"/>
-                    </a:ext>
-                  </a:extLst>
-                </a:gridCol>
-                <a:gridCol w="936000">
-                  <a:extLst>
-                    <a:ext uri="{9D8B030D-6E8A-4147-A177-3AD203B41FA5}">
-                      <a16:colId xmlns:a16="http://schemas.microsoft.com/office/drawing/2014/main" val="3491390453"/>
-                    </a:ext>
-                  </a:extLst>
-                </a:gridCol>
-                <a:gridCol w="936000">
-                  <a:extLst>
-                    <a:ext uri="{9D8B030D-6E8A-4147-A177-3AD203B41FA5}">
-                      <a16:colId xmlns:a16="http://schemas.microsoft.com/office/drawing/2014/main" val="2770859426"/>
-                    </a:ext>
-                  </a:extLst>
-                </a:gridCol>
-              </a:tblGrid>
-              <a:tr h="216000">
-                <a:tc>
-                  <a:txBody>
-                    <a:bodyPr/>
-                    <a:lstStyle/>
-                    <a:p>
-                      <a:r>
-                        <a:rPr lang="de-DE" dirty="0" err="1"/>
-                        <a:t>Lorem</a:t>
-                      </a:r>
-                      <a:r>
-                        <a:rPr lang="de-DE" dirty="0"/>
-                        <a:t> </a:t>
-                      </a:r>
-                      <a:r>
-                        <a:rPr lang="de-DE" dirty="0" err="1"/>
-                        <a:t>ipsum</a:t>
-                      </a:r>
-                      <a:endParaRPr lang="en-GB" dirty="0"/>
-                    </a:p>
-                  </a:txBody>
-                  <a:tcPr marL="0" marR="0" marT="0" marB="0" anchor="ctr">
-                    <a:lnT w="12700" cmpd="sng">
-                      <a:noFill/>
-                    </a:lnT>
-                  </a:tcPr>
-                </a:tc>
-                <a:tc>
-                  <a:txBody>
-                    <a:bodyPr/>
-                    <a:lstStyle/>
-                    <a:p>
-                      <a:r>
-                        <a:rPr lang="de-DE" b="0" dirty="0" err="1"/>
-                        <a:t>dummy</a:t>
-                      </a:r>
-                      <a:r>
-                        <a:rPr lang="de-DE" b="0" dirty="0"/>
-                        <a:t> </a:t>
-                      </a:r>
-                      <a:r>
-                        <a:rPr lang="de-DE" b="0" dirty="0" err="1"/>
-                        <a:t>text</a:t>
-                      </a:r>
-                      <a:endParaRPr lang="en-GB" b="0" dirty="0"/>
-                    </a:p>
-                  </a:txBody>
-                  <a:tcPr marL="0" marR="0" marT="0" marB="0" anchor="ctr">
-                    <a:lnT w="12700" cmpd="sng">
-                      <a:noFill/>
-                    </a:lnT>
-                  </a:tcPr>
-                </a:tc>
-                <a:tc>
-                  <a:txBody>
-                    <a:bodyPr/>
-                    <a:lstStyle/>
-                    <a:p>
-                      <a:r>
-                        <a:rPr lang="de-DE" b="0" dirty="0"/>
-                        <a:t>Dummy </a:t>
-                      </a:r>
-                      <a:r>
-                        <a:rPr lang="de-DE" b="0" dirty="0" err="1"/>
-                        <a:t>text</a:t>
-                      </a:r>
-                      <a:endParaRPr lang="en-GB" b="0" dirty="0"/>
-                    </a:p>
-                  </a:txBody>
-                  <a:tcPr marL="0" marR="0" marT="0" marB="0" anchor="ctr">
-                    <a:lnT w="12700" cmpd="sng">
-                      <a:noFill/>
-                    </a:lnT>
-                  </a:tcPr>
-                </a:tc>
-                <a:extLst>
-                  <a:ext uri="{0D108BD9-81ED-4DB2-BD59-A6C34878D82A}">
-                    <a16:rowId xmlns:a16="http://schemas.microsoft.com/office/drawing/2014/main" val="2746120897"/>
-                  </a:ext>
-                </a:extLst>
-              </a:tr>
-              <a:tr h="216000">
-                <a:tc>
-                  <a:txBody>
-                    <a:bodyPr/>
-                    <a:lstStyle/>
-                    <a:p>
-                      <a:r>
-                        <a:rPr lang="de-DE" dirty="0" err="1"/>
-                        <a:t>dummy</a:t>
-                      </a:r>
-                      <a:r>
-                        <a:rPr lang="de-DE" dirty="0"/>
-                        <a:t> </a:t>
-                      </a:r>
-                      <a:r>
-                        <a:rPr lang="de-DE" dirty="0" err="1"/>
-                        <a:t>text</a:t>
-                      </a:r>
-                      <a:endParaRPr lang="en-GB" dirty="0"/>
-                    </a:p>
-                  </a:txBody>
-                  <a:tcPr marL="0" marR="0" marT="0" marB="0" anchor="ctr">
-                    <a:lnB w="3175" cap="flat" cmpd="sng" algn="ctr">
-                      <a:solidFill>
-                        <a:schemeClr val="tx1"/>
-                      </a:solidFill>
-                      <a:prstDash val="solid"/>
-                      <a:round/>
-                      <a:headEnd type="none" w="med" len="med"/>
-                      <a:tailEnd type="none" w="med" len="med"/>
-                    </a:lnB>
-                    <a:noFill/>
-                  </a:tcPr>
-                </a:tc>
-                <a:tc>
-                  <a:txBody>
-                    <a:bodyPr/>
-                    <a:lstStyle/>
-                    <a:p>
-                      <a:r>
-                        <a:rPr lang="en-GB" dirty="0">
-                          <a:latin typeface="Wingdings" panose="05000000000000000000" pitchFamily="2" charset="2"/>
-                          <a:sym typeface="Wingdings" panose="05000000000000000000" pitchFamily="2" charset="2"/>
-                        </a:rPr>
-                        <a:t></a:t>
-                      </a:r>
-                      <a:endParaRPr lang="en-GB" dirty="0">
-                        <a:latin typeface="Wingdings" panose="05000000000000000000" pitchFamily="2" charset="2"/>
-                      </a:endParaRPr>
-                    </a:p>
-                  </a:txBody>
-                  <a:tcPr marL="0" marR="0" marT="0" marB="0" anchor="ctr">
-                    <a:lnB w="3175" cap="flat" cmpd="sng" algn="ctr">
-                      <a:solidFill>
-                        <a:schemeClr val="tx1"/>
-                      </a:solidFill>
-                      <a:prstDash val="solid"/>
-                      <a:round/>
-                      <a:headEnd type="none" w="med" len="med"/>
-                      <a:tailEnd type="none" w="med" len="med"/>
-                    </a:lnB>
-                    <a:noFill/>
-                  </a:tcPr>
-                </a:tc>
-                <a:tc>
-                  <a:txBody>
-                    <a:bodyPr/>
-                    <a:lstStyle/>
-                    <a:p>
-                      <a:pPr marL="0" marR="0" lvl="0" indent="0" algn="l" defTabSz="567048" rtl="0" eaLnBrk="1" fontAlgn="auto" latinLnBrk="0" hangingPunct="1">
-                        <a:lnSpc>
-                          <a:spcPct val="100000"/>
-                        </a:lnSpc>
-                        <a:spcBef>
-                          <a:spcPts val="0"/>
-                        </a:spcBef>
-                        <a:spcAft>
-                          <a:spcPts val="0"/>
-                        </a:spcAft>
-                        <a:buClrTx/>
-                        <a:buSzTx/>
-                        <a:buFontTx/>
-                        <a:buNone/>
-                        <a:tabLst/>
-                        <a:defRPr/>
-                      </a:pPr>
-                      <a:r>
-                        <a:rPr lang="en-GB" dirty="0">
-                          <a:solidFill>
-                            <a:schemeClr val="bg1">
-                              <a:lumMod val="50000"/>
-                            </a:schemeClr>
-                          </a:solidFill>
-                          <a:latin typeface="Wingdings" panose="05000000000000000000" pitchFamily="2" charset="2"/>
-                          <a:sym typeface="Wingdings" panose="05000000000000000000" pitchFamily="2" charset="2"/>
-                        </a:rPr>
-                        <a:t></a:t>
-                      </a:r>
-                      <a:endParaRPr lang="en-GB" dirty="0">
-                        <a:solidFill>
-                          <a:schemeClr val="bg1">
-                            <a:lumMod val="50000"/>
-                          </a:schemeClr>
-                        </a:solidFill>
-                        <a:latin typeface="Wingdings" panose="05000000000000000000" pitchFamily="2" charset="2"/>
-                      </a:endParaRPr>
-                    </a:p>
-                  </a:txBody>
-                  <a:tcPr marL="0" marR="0" marT="0" marB="0" anchor="ctr">
-                    <a:lnB w="3175" cap="flat" cmpd="sng" algn="ctr">
-                      <a:solidFill>
-                        <a:schemeClr val="tx1"/>
-                      </a:solidFill>
-                      <a:prstDash val="solid"/>
-                      <a:round/>
-                      <a:headEnd type="none" w="med" len="med"/>
-                      <a:tailEnd type="none" w="med" len="med"/>
-                    </a:lnB>
-                    <a:noFill/>
-                  </a:tcPr>
-                </a:tc>
-                <a:extLst>
-                  <a:ext uri="{0D108BD9-81ED-4DB2-BD59-A6C34878D82A}">
-                    <a16:rowId xmlns:a16="http://schemas.microsoft.com/office/drawing/2014/main" val="2874946654"/>
-                  </a:ext>
-                </a:extLst>
-              </a:tr>
-              <a:tr h="216000">
-                <a:tc>
-                  <a:txBody>
-                    <a:bodyPr/>
-                    <a:lstStyle/>
-                    <a:p>
-                      <a:r>
-                        <a:rPr lang="de-DE" dirty="0" err="1"/>
-                        <a:t>dummy</a:t>
-                      </a:r>
-                      <a:r>
-                        <a:rPr lang="de-DE" dirty="0"/>
-                        <a:t> </a:t>
-                      </a:r>
-                      <a:r>
-                        <a:rPr lang="de-DE" dirty="0" err="1"/>
-                        <a:t>text</a:t>
-                      </a:r>
-                      <a:endParaRPr lang="en-GB" dirty="0"/>
-                    </a:p>
-                  </a:txBody>
-                  <a:tcPr marL="0" marR="0" marT="0" marB="0" anchor="ctr">
-                    <a:lnT w="3175" cap="flat" cmpd="sng" algn="ctr">
-                      <a:solidFill>
-                        <a:schemeClr val="tx1"/>
-                      </a:solidFill>
-                      <a:prstDash val="solid"/>
-                      <a:round/>
-                      <a:headEnd type="none" w="med" len="med"/>
-                      <a:tailEnd type="none" w="med" len="med"/>
-                    </a:lnT>
-                    <a:lnB w="3175" cap="flat" cmpd="sng" algn="ctr">
-                      <a:solidFill>
-                        <a:schemeClr val="tx1"/>
-                      </a:solidFill>
-                      <a:prstDash val="solid"/>
-                      <a:round/>
-                      <a:headEnd type="none" w="med" len="med"/>
-                      <a:tailEnd type="none" w="med" len="med"/>
-                    </a:lnB>
-                    <a:noFill/>
-                  </a:tcPr>
-                </a:tc>
-                <a:tc>
-                  <a:txBody>
-                    <a:bodyPr/>
-                    <a:lstStyle/>
-                    <a:p>
-                      <a:endParaRPr lang="en-GB" dirty="0"/>
-                    </a:p>
-                  </a:txBody>
-                  <a:tcPr marL="0" marR="0" marT="0" marB="0" anchor="ctr">
-                    <a:lnT w="3175" cap="flat" cmpd="sng" algn="ctr">
-                      <a:solidFill>
-                        <a:schemeClr val="tx1"/>
-                      </a:solidFill>
-                      <a:prstDash val="solid"/>
-                      <a:round/>
-                      <a:headEnd type="none" w="med" len="med"/>
-                      <a:tailEnd type="none" w="med" len="med"/>
-                    </a:lnT>
-                    <a:lnB w="3175" cap="flat" cmpd="sng" algn="ctr">
-                      <a:solidFill>
-                        <a:schemeClr val="tx1"/>
-                      </a:solidFill>
-                      <a:prstDash val="solid"/>
-                      <a:round/>
-                      <a:headEnd type="none" w="med" len="med"/>
-                      <a:tailEnd type="none" w="med" len="med"/>
-                    </a:lnB>
-                    <a:noFill/>
-                  </a:tcPr>
-                </a:tc>
-                <a:tc>
-                  <a:txBody>
-                    <a:bodyPr/>
-                    <a:lstStyle/>
-                    <a:p>
-                      <a:pPr marL="0" marR="0" lvl="0" indent="0" algn="l" defTabSz="567048" rtl="0" eaLnBrk="1" fontAlgn="auto" latinLnBrk="0" hangingPunct="1">
-                        <a:lnSpc>
-                          <a:spcPct val="100000"/>
-                        </a:lnSpc>
-                        <a:spcBef>
-                          <a:spcPts val="0"/>
-                        </a:spcBef>
-                        <a:spcAft>
-                          <a:spcPts val="0"/>
-                        </a:spcAft>
-                        <a:buClrTx/>
-                        <a:buSzTx/>
-                        <a:buFontTx/>
-                        <a:buNone/>
-                        <a:tabLst/>
-                        <a:defRPr/>
-                      </a:pPr>
-                      <a:r>
-                        <a:rPr lang="en-GB" dirty="0">
-                          <a:solidFill>
-                            <a:schemeClr val="bg1">
-                              <a:lumMod val="50000"/>
-                            </a:schemeClr>
-                          </a:solidFill>
-                          <a:latin typeface="Wingdings" panose="05000000000000000000" pitchFamily="2" charset="2"/>
-                          <a:sym typeface="Wingdings" panose="05000000000000000000" pitchFamily="2" charset="2"/>
-                        </a:rPr>
-                        <a:t></a:t>
-                      </a:r>
-                      <a:endParaRPr lang="en-GB" dirty="0">
-                        <a:solidFill>
-                          <a:schemeClr val="bg1">
-                            <a:lumMod val="50000"/>
-                          </a:schemeClr>
-                        </a:solidFill>
-                        <a:latin typeface="Wingdings" panose="05000000000000000000" pitchFamily="2" charset="2"/>
-                      </a:endParaRPr>
-                    </a:p>
-                  </a:txBody>
-                  <a:tcPr marL="0" marR="0" marT="0" marB="0" anchor="ctr">
-                    <a:lnT w="3175" cap="flat" cmpd="sng" algn="ctr">
-                      <a:solidFill>
-                        <a:schemeClr val="tx1"/>
-                      </a:solidFill>
-                      <a:prstDash val="solid"/>
-                      <a:round/>
-                      <a:headEnd type="none" w="med" len="med"/>
-                      <a:tailEnd type="none" w="med" len="med"/>
-                    </a:lnT>
-                    <a:lnB w="3175" cap="flat" cmpd="sng" algn="ctr">
-                      <a:solidFill>
-                        <a:schemeClr val="tx1"/>
-                      </a:solidFill>
-                      <a:prstDash val="solid"/>
-                      <a:round/>
-                      <a:headEnd type="none" w="med" len="med"/>
-                      <a:tailEnd type="none" w="med" len="med"/>
-                    </a:lnB>
-                    <a:noFill/>
-                  </a:tcPr>
-                </a:tc>
-                <a:extLst>
-                  <a:ext uri="{0D108BD9-81ED-4DB2-BD59-A6C34878D82A}">
-                    <a16:rowId xmlns:a16="http://schemas.microsoft.com/office/drawing/2014/main" val="948083683"/>
-                  </a:ext>
-                </a:extLst>
-              </a:tr>
-              <a:tr h="216000">
-                <a:tc>
-                  <a:txBody>
-                    <a:bodyPr/>
-                    <a:lstStyle/>
-                    <a:p>
-                      <a:r>
-                        <a:rPr lang="de-DE" dirty="0" err="1"/>
-                        <a:t>dummy</a:t>
-                      </a:r>
-                      <a:r>
-                        <a:rPr lang="de-DE" dirty="0"/>
-                        <a:t> </a:t>
-                      </a:r>
-                      <a:r>
-                        <a:rPr lang="de-DE" dirty="0" err="1"/>
-                        <a:t>text</a:t>
-                      </a:r>
-                      <a:endParaRPr lang="en-GB" dirty="0"/>
-                    </a:p>
-                  </a:txBody>
-                  <a:tcPr marL="0" marR="0" marT="0" marB="0" anchor="ctr">
-                    <a:lnT w="3175" cap="flat" cmpd="sng" algn="ctr">
-                      <a:solidFill>
-                        <a:schemeClr val="tx1"/>
-                      </a:solidFill>
-                      <a:prstDash val="solid"/>
-                      <a:round/>
-                      <a:headEnd type="none" w="med" len="med"/>
-                      <a:tailEnd type="none" w="med" len="med"/>
-                    </a:lnT>
-                    <a:lnB w="3175" cap="flat" cmpd="sng" algn="ctr">
-                      <a:solidFill>
-                        <a:schemeClr val="tx1"/>
-                      </a:solidFill>
-                      <a:prstDash val="solid"/>
-                      <a:round/>
-                      <a:headEnd type="none" w="med" len="med"/>
-                      <a:tailEnd type="none" w="med" len="med"/>
-                    </a:lnB>
-                    <a:noFill/>
-                  </a:tcPr>
-                </a:tc>
-                <a:tc>
-                  <a:txBody>
-                    <a:bodyPr/>
-                    <a:lstStyle/>
-                    <a:p>
-                      <a:endParaRPr lang="en-GB" dirty="0"/>
-                    </a:p>
-                  </a:txBody>
-                  <a:tcPr marL="0" marR="0" marT="0" marB="0" anchor="ctr">
-                    <a:lnT w="3175" cap="flat" cmpd="sng" algn="ctr">
-                      <a:solidFill>
-                        <a:schemeClr val="tx1"/>
-                      </a:solidFill>
-                      <a:prstDash val="solid"/>
-                      <a:round/>
-                      <a:headEnd type="none" w="med" len="med"/>
-                      <a:tailEnd type="none" w="med" len="med"/>
-                    </a:lnT>
-                    <a:lnB w="3175" cap="flat" cmpd="sng" algn="ctr">
-                      <a:solidFill>
-                        <a:schemeClr val="tx1"/>
-                      </a:solidFill>
-                      <a:prstDash val="solid"/>
-                      <a:round/>
-                      <a:headEnd type="none" w="med" len="med"/>
-                      <a:tailEnd type="none" w="med" len="med"/>
-                    </a:lnB>
-                    <a:noFill/>
-                  </a:tcPr>
-                </a:tc>
-                <a:tc>
-                  <a:txBody>
-                    <a:bodyPr/>
-                    <a:lstStyle/>
-                    <a:p>
-                      <a:pPr marL="0" marR="0" lvl="0" indent="0" algn="l" defTabSz="567048" rtl="0" eaLnBrk="1" fontAlgn="auto" latinLnBrk="0" hangingPunct="1">
-                        <a:lnSpc>
-                          <a:spcPct val="100000"/>
-                        </a:lnSpc>
-                        <a:spcBef>
-                          <a:spcPts val="0"/>
-                        </a:spcBef>
-                        <a:spcAft>
-                          <a:spcPts val="0"/>
-                        </a:spcAft>
-                        <a:buClrTx/>
-                        <a:buSzTx/>
-                        <a:buFontTx/>
-                        <a:buNone/>
-                        <a:tabLst/>
-                        <a:defRPr/>
-                      </a:pPr>
-                      <a:r>
-                        <a:rPr lang="en-GB" dirty="0">
-                          <a:solidFill>
-                            <a:schemeClr val="bg1">
-                              <a:lumMod val="50000"/>
-                            </a:schemeClr>
-                          </a:solidFill>
-                          <a:latin typeface="Wingdings" panose="05000000000000000000" pitchFamily="2" charset="2"/>
-                          <a:sym typeface="Wingdings" panose="05000000000000000000" pitchFamily="2" charset="2"/>
-                        </a:rPr>
-                        <a:t></a:t>
-                      </a:r>
-                      <a:endParaRPr lang="en-GB" dirty="0">
-                        <a:solidFill>
-                          <a:schemeClr val="bg1">
-                            <a:lumMod val="50000"/>
-                          </a:schemeClr>
-                        </a:solidFill>
-                        <a:latin typeface="Wingdings" panose="05000000000000000000" pitchFamily="2" charset="2"/>
-                      </a:endParaRPr>
-                    </a:p>
-                  </a:txBody>
-                  <a:tcPr marL="0" marR="0" marT="0" marB="0" anchor="ctr">
-                    <a:lnT w="3175" cap="flat" cmpd="sng" algn="ctr">
-                      <a:solidFill>
-                        <a:schemeClr val="tx1"/>
-                      </a:solidFill>
-                      <a:prstDash val="solid"/>
-                      <a:round/>
-                      <a:headEnd type="none" w="med" len="med"/>
-                      <a:tailEnd type="none" w="med" len="med"/>
-                    </a:lnT>
-                    <a:lnB w="3175" cap="flat" cmpd="sng" algn="ctr">
-                      <a:solidFill>
-                        <a:schemeClr val="tx1"/>
-                      </a:solidFill>
-                      <a:prstDash val="solid"/>
-                      <a:round/>
-                      <a:headEnd type="none" w="med" len="med"/>
-                      <a:tailEnd type="none" w="med" len="med"/>
-                    </a:lnB>
-                    <a:noFill/>
-                  </a:tcPr>
-                </a:tc>
-                <a:extLst>
-                  <a:ext uri="{0D108BD9-81ED-4DB2-BD59-A6C34878D82A}">
-                    <a16:rowId xmlns:a16="http://schemas.microsoft.com/office/drawing/2014/main" val="3569926018"/>
-                  </a:ext>
-                </a:extLst>
-              </a:tr>
-              <a:tr h="216000">
-                <a:tc>
-                  <a:txBody>
-                    <a:bodyPr/>
-                    <a:lstStyle/>
-                    <a:p>
-                      <a:r>
-                        <a:rPr lang="de-DE" dirty="0" err="1"/>
-                        <a:t>dummy</a:t>
-                      </a:r>
-                      <a:r>
-                        <a:rPr lang="de-DE" dirty="0"/>
-                        <a:t> </a:t>
-                      </a:r>
-                      <a:r>
-                        <a:rPr lang="de-DE" dirty="0" err="1"/>
-                        <a:t>text</a:t>
-                      </a:r>
-                      <a:endParaRPr lang="en-GB" dirty="0"/>
-                    </a:p>
-                  </a:txBody>
-                  <a:tcPr marL="0" marR="0" marT="0" marB="0" anchor="ctr">
-                    <a:lnT w="3175" cap="flat" cmpd="sng" algn="ctr">
-                      <a:solidFill>
-                        <a:schemeClr val="tx1"/>
-                      </a:solidFill>
-                      <a:prstDash val="solid"/>
-                      <a:round/>
-                      <a:headEnd type="none" w="med" len="med"/>
-                      <a:tailEnd type="none" w="med" len="med"/>
-                    </a:lnT>
-                    <a:lnB w="3175" cap="flat" cmpd="sng" algn="ctr">
-                      <a:solidFill>
-                        <a:schemeClr val="tx1"/>
-                      </a:solidFill>
-                      <a:prstDash val="solid"/>
-                      <a:round/>
-                      <a:headEnd type="none" w="med" len="med"/>
-                      <a:tailEnd type="none" w="med" len="med"/>
-                    </a:lnB>
-                    <a:noFill/>
-                  </a:tcPr>
-                </a:tc>
-                <a:tc>
-                  <a:txBody>
-                    <a:bodyPr/>
-                    <a:lstStyle/>
-                    <a:p>
-                      <a:pPr marL="0" marR="0" lvl="0" indent="0" algn="l" defTabSz="567048" rtl="0" eaLnBrk="1" fontAlgn="auto" latinLnBrk="0" hangingPunct="1">
-                        <a:lnSpc>
-                          <a:spcPct val="100000"/>
-                        </a:lnSpc>
-                        <a:spcBef>
-                          <a:spcPts val="0"/>
-                        </a:spcBef>
-                        <a:spcAft>
-                          <a:spcPts val="0"/>
-                        </a:spcAft>
-                        <a:buClrTx/>
-                        <a:buSzTx/>
-                        <a:buFontTx/>
-                        <a:buNone/>
-                        <a:tabLst/>
-                        <a:defRPr/>
-                      </a:pPr>
-                      <a:r>
-                        <a:rPr lang="en-GB" dirty="0">
-                          <a:latin typeface="Wingdings" panose="05000000000000000000" pitchFamily="2" charset="2"/>
-                          <a:sym typeface="Wingdings" panose="05000000000000000000" pitchFamily="2" charset="2"/>
-                        </a:rPr>
-                        <a:t></a:t>
-                      </a:r>
-                      <a:endParaRPr lang="en-GB" dirty="0">
-                        <a:latin typeface="Wingdings" panose="05000000000000000000" pitchFamily="2" charset="2"/>
-                      </a:endParaRPr>
-                    </a:p>
-                  </a:txBody>
-                  <a:tcPr marL="0" marR="0" marT="0" marB="0" anchor="ctr">
-                    <a:lnT w="3175" cap="flat" cmpd="sng" algn="ctr">
-                      <a:solidFill>
-                        <a:schemeClr val="tx1"/>
-                      </a:solidFill>
-                      <a:prstDash val="solid"/>
-                      <a:round/>
-                      <a:headEnd type="none" w="med" len="med"/>
-                      <a:tailEnd type="none" w="med" len="med"/>
-                    </a:lnT>
-                    <a:lnB w="3175" cap="flat" cmpd="sng" algn="ctr">
-                      <a:solidFill>
-                        <a:schemeClr val="tx1"/>
-                      </a:solidFill>
-                      <a:prstDash val="solid"/>
-                      <a:round/>
-                      <a:headEnd type="none" w="med" len="med"/>
-                      <a:tailEnd type="none" w="med" len="med"/>
-                    </a:lnB>
-                    <a:noFill/>
-                  </a:tcPr>
-                </a:tc>
-                <a:tc>
-                  <a:txBody>
-                    <a:bodyPr/>
-                    <a:lstStyle/>
-                    <a:p>
-                      <a:pPr marL="0" marR="0" lvl="0" indent="0" algn="l" defTabSz="567048" rtl="0" eaLnBrk="1" fontAlgn="auto" latinLnBrk="0" hangingPunct="1">
-                        <a:lnSpc>
-                          <a:spcPct val="100000"/>
-                        </a:lnSpc>
-                        <a:spcBef>
-                          <a:spcPts val="0"/>
-                        </a:spcBef>
-                        <a:spcAft>
-                          <a:spcPts val="0"/>
-                        </a:spcAft>
-                        <a:buClrTx/>
-                        <a:buSzTx/>
-                        <a:buFontTx/>
-                        <a:buNone/>
-                        <a:tabLst/>
-                        <a:defRPr/>
-                      </a:pPr>
-                      <a:r>
-                        <a:rPr lang="en-GB" dirty="0">
-                          <a:solidFill>
-                            <a:schemeClr val="bg1">
-                              <a:lumMod val="50000"/>
-                            </a:schemeClr>
-                          </a:solidFill>
-                          <a:latin typeface="Wingdings" panose="05000000000000000000" pitchFamily="2" charset="2"/>
-                          <a:sym typeface="Wingdings" panose="05000000000000000000" pitchFamily="2" charset="2"/>
-                        </a:rPr>
-                        <a:t></a:t>
-                      </a:r>
-                      <a:endParaRPr lang="en-GB" dirty="0">
-                        <a:solidFill>
-                          <a:schemeClr val="bg1">
-                            <a:lumMod val="50000"/>
-                          </a:schemeClr>
-                        </a:solidFill>
-                        <a:latin typeface="Wingdings" panose="05000000000000000000" pitchFamily="2" charset="2"/>
-                      </a:endParaRPr>
-                    </a:p>
-                  </a:txBody>
-                  <a:tcPr marL="0" marR="0" marT="0" marB="0" anchor="ctr">
-                    <a:lnT w="3175" cap="flat" cmpd="sng" algn="ctr">
-                      <a:solidFill>
-                        <a:schemeClr val="tx1"/>
-                      </a:solidFill>
-                      <a:prstDash val="solid"/>
-                      <a:round/>
-                      <a:headEnd type="none" w="med" len="med"/>
-                      <a:tailEnd type="none" w="med" len="med"/>
-                    </a:lnT>
-                    <a:lnB w="3175" cap="flat" cmpd="sng" algn="ctr">
-                      <a:solidFill>
-                        <a:schemeClr val="tx1"/>
-                      </a:solidFill>
-                      <a:prstDash val="solid"/>
-                      <a:round/>
-                      <a:headEnd type="none" w="med" len="med"/>
-                      <a:tailEnd type="none" w="med" len="med"/>
-                    </a:lnB>
-                    <a:noFill/>
-                  </a:tcPr>
-                </a:tc>
-                <a:extLst>
-                  <a:ext uri="{0D108BD9-81ED-4DB2-BD59-A6C34878D82A}">
-                    <a16:rowId xmlns:a16="http://schemas.microsoft.com/office/drawing/2014/main" val="3142757118"/>
-                  </a:ext>
-                </a:extLst>
-              </a:tr>
-            </a:tbl>
-          </a:graphicData>
-        </a:graphic>
-      </p:graphicFrame>
-      <p:sp>
-        <p:nvSpPr>
-          <p:cNvPr id="64" name="Textfeld 63">
-            <a:extLst>
-              <a:ext uri="{FF2B5EF4-FFF2-40B4-BE49-F238E27FC236}">
-                <a16:creationId xmlns:a16="http://schemas.microsoft.com/office/drawing/2014/main" id="{16F2F553-33F3-48C6-BF49-80A678D93FBD}"/>
-              </a:ext>
-            </a:extLst>
-          </p:cNvPr>
-          <p:cNvSpPr txBox="1"/>
-          <p:nvPr/>
-        </p:nvSpPr>
-        <p:spPr>
-          <a:xfrm>
-            <a:off x="449263" y="4176000"/>
-            <a:ext cx="4788000" cy="288000"/>
-          </a:xfrm>
-          <a:prstGeom prst="rect">
-            <a:avLst/>
-          </a:prstGeom>
-          <a:noFill/>
-        </p:spPr>
-        <p:txBody>
-          <a:bodyPr wrap="square" lIns="0" tIns="0" rIns="0" bIns="0" rtlCol="0">
-            <a:noAutofit/>
-          </a:bodyPr>
-          <a:lstStyle/>
-          <a:p>
-            <a:pPr algn="l">
-              <a:lnSpc>
-                <a:spcPts val="1550"/>
-              </a:lnSpc>
-              <a:spcBef>
-                <a:spcPts val="200"/>
-              </a:spcBef>
-            </a:pPr>
-            <a:r>
-              <a:rPr lang="en-US" sz="1600" dirty="0">
-                <a:solidFill>
-                  <a:schemeClr val="accent1"/>
-                </a:solidFill>
-              </a:rPr>
-              <a:t>1 Introduction</a:t>
-            </a:r>
-          </a:p>
-        </p:txBody>
-      </p:sp>
-      <p:sp>
-        <p:nvSpPr>
-          <p:cNvPr id="33" name="Rectangle 32">
-            <a:extLst>
-              <a:ext uri="{FF2B5EF4-FFF2-40B4-BE49-F238E27FC236}">
-                <a16:creationId xmlns:a16="http://schemas.microsoft.com/office/drawing/2014/main" id="{E010FC5E-EBE0-6818-5ADF-621FE538FFEF}"/>
-              </a:ext>
-            </a:extLst>
-          </p:cNvPr>
-          <p:cNvSpPr/>
-          <p:nvPr/>
-        </p:nvSpPr>
-        <p:spPr>
-          <a:xfrm>
-            <a:off x="9268249" y="13101885"/>
-            <a:ext cx="972000" cy="972000"/>
-          </a:xfrm>
-          <a:prstGeom prst="rect">
-            <a:avLst/>
-          </a:prstGeom>
-          <a:blipFill dpi="0" rotWithShape="1">
-            <a:blip r:embed="rId4">
+        </p:nvGrpSpPr>
+        <p:grpSpPr>
+          <a:xfrm>
+            <a:off x="453224" y="8862573"/>
+            <a:ext cx="4795392" cy="5213790"/>
+            <a:chOff x="5452611" y="3450548"/>
+            <a:chExt cx="4795392" cy="5213790"/>
+          </a:xfrm>
+        </p:grpSpPr>
+        <p:sp>
+          <p:nvSpPr>
+            <p:cNvPr id="15" name="Textfeld 14">
+              <a:extLst>
+                <a:ext uri="{FF2B5EF4-FFF2-40B4-BE49-F238E27FC236}">
+                  <a16:creationId xmlns:a16="http://schemas.microsoft.com/office/drawing/2014/main" id="{E3E7D849-0817-4B0F-9763-641771A2054A}"/>
+                </a:ext>
+              </a:extLst>
+            </p:cNvPr>
+            <p:cNvSpPr txBox="1"/>
+            <p:nvPr/>
+          </p:nvSpPr>
+          <p:spPr>
+            <a:xfrm>
+              <a:off x="5452611" y="3614297"/>
+              <a:ext cx="4788000" cy="252000"/>
+            </a:xfrm>
+            <a:prstGeom prst="rect">
+              <a:avLst/>
+            </a:prstGeom>
+            <a:noFill/>
+            <a:ln>
+              <a:noFill/>
+            </a:ln>
+          </p:spPr>
+          <p:txBody>
+            <a:bodyPr wrap="square" lIns="0" tIns="0" rIns="0" bIns="0" rtlCol="0">
+              <a:noAutofit/>
+            </a:bodyPr>
+            <a:lstStyle/>
+            <a:p>
+              <a:pPr algn="l">
+                <a:lnSpc>
+                  <a:spcPts val="1550"/>
+                </a:lnSpc>
+                <a:spcBef>
+                  <a:spcPts val="200"/>
+                </a:spcBef>
+              </a:pPr>
+              <a:r>
+                <a:rPr lang="en-GB" sz="1600" b="1" dirty="0">
+                  <a:solidFill>
+                    <a:schemeClr val="accent1"/>
+                  </a:solidFill>
+                </a:rPr>
+                <a:t>3 User interaction workflow</a:t>
+              </a:r>
+            </a:p>
+          </p:txBody>
+        </p:sp>
+        <p:sp>
+          <p:nvSpPr>
+            <p:cNvPr id="11" name="Textfeld 10">
+              <a:extLst>
+                <a:ext uri="{FF2B5EF4-FFF2-40B4-BE49-F238E27FC236}">
+                  <a16:creationId xmlns:a16="http://schemas.microsoft.com/office/drawing/2014/main" id="{8DB891BA-64C1-47DD-9FAA-BB9AF059A154}"/>
+                </a:ext>
+              </a:extLst>
+            </p:cNvPr>
+            <p:cNvSpPr txBox="1"/>
+            <p:nvPr/>
+          </p:nvSpPr>
+          <p:spPr>
+            <a:xfrm>
+              <a:off x="5456307" y="3862366"/>
+              <a:ext cx="4788000" cy="4801971"/>
+            </a:xfrm>
+            <a:prstGeom prst="rect">
+              <a:avLst/>
+            </a:prstGeom>
+            <a:solidFill>
+              <a:schemeClr val="bg2">
+                <a:lumMod val="95000"/>
+              </a:schemeClr>
+            </a:solidFill>
+            <a:ln>
+              <a:noFill/>
+            </a:ln>
+          </p:spPr>
+          <p:txBody>
+            <a:bodyPr wrap="square" lIns="180000" tIns="180000" rIns="180000" bIns="180000" rtlCol="0">
+              <a:noAutofit/>
+            </a:bodyPr>
+            <a:lstStyle/>
+            <a:p>
+              <a:pPr>
+                <a:spcAft>
+                  <a:spcPts val="600"/>
+                </a:spcAft>
+              </a:pPr>
+              <a:r>
+                <a:rPr lang="en-GB" sz="1200" dirty="0"/>
+                <a:t>For our website we decided to go with a simple yet effective navigation bar at the top for an easy user workflow.</a:t>
+              </a:r>
+            </a:p>
+          </p:txBody>
+        </p:sp>
+        <p:sp>
+          <p:nvSpPr>
+            <p:cNvPr id="37" name="Textfeld 27">
+              <a:extLst>
+                <a:ext uri="{FF2B5EF4-FFF2-40B4-BE49-F238E27FC236}">
+                  <a16:creationId xmlns:a16="http://schemas.microsoft.com/office/drawing/2014/main" id="{34A9C14B-AEC4-AC5E-E22B-3E2C44DA2B37}"/>
+                </a:ext>
+              </a:extLst>
+            </p:cNvPr>
+            <p:cNvSpPr txBox="1"/>
+            <p:nvPr/>
+          </p:nvSpPr>
+          <p:spPr>
+            <a:xfrm>
+              <a:off x="5460740" y="8124338"/>
+              <a:ext cx="4787263" cy="540000"/>
+            </a:xfrm>
+            <a:prstGeom prst="rect">
+              <a:avLst/>
+            </a:prstGeom>
+            <a:noFill/>
+            <a:ln>
+              <a:noFill/>
+            </a:ln>
+          </p:spPr>
+          <p:txBody>
+            <a:bodyPr wrap="square" lIns="180000" tIns="0" rIns="180000" bIns="180000" rtlCol="0" anchor="b" anchorCtr="0">
+              <a:noAutofit/>
+            </a:bodyPr>
+            <a:lstStyle/>
+            <a:p>
+              <a:r>
+                <a:rPr lang="en-GB" sz="700" dirty="0"/>
+                <a:t>User interaction workflow diagram. General workflow, it is always possible to switch between sites (green tiles) using the mentioned navigation bar.</a:t>
+              </a:r>
+            </a:p>
+          </p:txBody>
+        </p:sp>
+        <p:sp>
+          <p:nvSpPr>
+            <p:cNvPr id="66" name="Rectangle 65">
+              <a:extLst>
+                <a:ext uri="{FF2B5EF4-FFF2-40B4-BE49-F238E27FC236}">
+                  <a16:creationId xmlns:a16="http://schemas.microsoft.com/office/drawing/2014/main" id="{F85E8B47-E738-0814-272F-73807A8CCB30}"/>
+                </a:ext>
+              </a:extLst>
+            </p:cNvPr>
+            <p:cNvSpPr/>
+            <p:nvPr/>
+          </p:nvSpPr>
+          <p:spPr>
+            <a:xfrm>
+              <a:off x="5460740" y="3450548"/>
+              <a:ext cx="4780799" cy="148315"/>
+            </a:xfrm>
+            <a:prstGeom prst="rect">
+              <a:avLst/>
+            </a:prstGeom>
+            <a:noFill/>
+            <a:ln>
+              <a:noFill/>
+            </a:ln>
+          </p:spPr>
+          <p:style>
+            <a:lnRef idx="2">
+              <a:schemeClr val="accent1">
+                <a:shade val="15000"/>
+              </a:schemeClr>
+            </a:lnRef>
+            <a:fillRef idx="1">
+              <a:schemeClr val="accent1"/>
+            </a:fillRef>
+            <a:effectRef idx="0">
+              <a:schemeClr val="accent1"/>
+            </a:effectRef>
+            <a:fontRef idx="minor">
+              <a:schemeClr val="lt1"/>
+            </a:fontRef>
+          </p:style>
+          <p:txBody>
+            <a:bodyPr rtlCol="0" anchor="ctr"/>
+            <a:lstStyle/>
+            <a:p>
+              <a:pPr algn="ctr"/>
+              <a:endParaRPr lang="en-GB"/>
+            </a:p>
+          </p:txBody>
+        </p:sp>
+        <p:pic>
+          <p:nvPicPr>
+            <p:cNvPr id="72" name="Picture 71" descr="A diagram of a chart&#10;&#10;Description automatically generated with medium confidence">
+              <a:extLst>
+                <a:ext uri="{FF2B5EF4-FFF2-40B4-BE49-F238E27FC236}">
+                  <a16:creationId xmlns:a16="http://schemas.microsoft.com/office/drawing/2014/main" id="{EFC8B5CD-6AD9-7C77-6348-DE969257E3DA}"/>
+                </a:ext>
+              </a:extLst>
+            </p:cNvPr>
+            <p:cNvPicPr>
+              <a:picLocks noChangeAspect="1"/>
+            </p:cNvPicPr>
+            <p:nvPr/>
+          </p:nvPicPr>
+          <p:blipFill>
+            <a:blip r:embed="rId8">
               <a:extLst>
                 <a:ext uri="{28A0092B-C50C-407E-A947-70E740481C1C}">
                   <a14:useLocalDpi xmlns:a14="http://schemas.microsoft.com/office/drawing/2010/main" val="0"/>
                 </a:ext>
               </a:extLst>
             </a:blip>
-            <a:srcRect/>
             <a:stretch>
               <a:fillRect/>
             </a:stretch>
-          </a:blipFill>
-          <a:ln>
+          </p:blipFill>
+          <p:spPr>
+            <a:xfrm>
+              <a:off x="5717342" y="4368781"/>
+              <a:ext cx="4247652" cy="3843022"/>
+            </a:xfrm>
+            <a:prstGeom prst="rect">
+              <a:avLst/>
+            </a:prstGeom>
+          </p:spPr>
+        </p:pic>
+      </p:grpSp>
+      <p:grpSp>
+        <p:nvGrpSpPr>
+          <p:cNvPr id="76" name="Group 75">
+            <a:extLst>
+              <a:ext uri="{FF2B5EF4-FFF2-40B4-BE49-F238E27FC236}">
+                <a16:creationId xmlns:a16="http://schemas.microsoft.com/office/drawing/2014/main" id="{4A2EEF74-557D-D3E4-A5BF-FB4DCEFC8905}"/>
+              </a:ext>
+            </a:extLst>
+          </p:cNvPr>
+          <p:cNvGrpSpPr/>
+          <p:nvPr/>
+        </p:nvGrpSpPr>
+        <p:grpSpPr>
+          <a:xfrm>
+            <a:off x="453970" y="5748224"/>
+            <a:ext cx="4790951" cy="3114349"/>
+            <a:chOff x="449263" y="5508951"/>
+            <a:chExt cx="4790951" cy="3114349"/>
+          </a:xfrm>
+        </p:grpSpPr>
+        <p:grpSp>
+          <p:nvGrpSpPr>
+            <p:cNvPr id="60" name="Group 59">
+              <a:extLst>
+                <a:ext uri="{FF2B5EF4-FFF2-40B4-BE49-F238E27FC236}">
+                  <a16:creationId xmlns:a16="http://schemas.microsoft.com/office/drawing/2014/main" id="{D470A610-8A84-1D2B-3D7B-017EDD74C243}"/>
+                </a:ext>
+              </a:extLst>
+            </p:cNvPr>
+            <p:cNvGrpSpPr/>
+            <p:nvPr/>
+          </p:nvGrpSpPr>
+          <p:grpSpPr>
+            <a:xfrm>
+              <a:off x="449263" y="5508951"/>
+              <a:ext cx="4790951" cy="3114349"/>
+              <a:chOff x="449263" y="5508951"/>
+              <a:chExt cx="4790951" cy="3114349"/>
+            </a:xfrm>
+          </p:grpSpPr>
+          <p:sp>
+            <p:nvSpPr>
+              <p:cNvPr id="17" name="Textfeld 16">
+                <a:extLst>
+                  <a:ext uri="{FF2B5EF4-FFF2-40B4-BE49-F238E27FC236}">
+                    <a16:creationId xmlns:a16="http://schemas.microsoft.com/office/drawing/2014/main" id="{380F8438-A7AA-47F0-AE8C-1C69AF9F2031}"/>
+                  </a:ext>
+                </a:extLst>
+              </p:cNvPr>
+              <p:cNvSpPr txBox="1"/>
+              <p:nvPr/>
+            </p:nvSpPr>
+            <p:spPr>
+              <a:xfrm>
+                <a:off x="452214" y="5659179"/>
+                <a:ext cx="4788000" cy="252000"/>
+              </a:xfrm>
+              <a:prstGeom prst="rect">
+                <a:avLst/>
+              </a:prstGeom>
+              <a:noFill/>
+              <a:ln>
+                <a:noFill/>
+              </a:ln>
+            </p:spPr>
+            <p:txBody>
+              <a:bodyPr wrap="square" lIns="0" tIns="0" rIns="0" bIns="0" rtlCol="0">
+                <a:noAutofit/>
+              </a:bodyPr>
+              <a:lstStyle/>
+              <a:p>
+                <a:pPr algn="l">
+                  <a:lnSpc>
+                    <a:spcPts val="1550"/>
+                  </a:lnSpc>
+                  <a:spcBef>
+                    <a:spcPts val="200"/>
+                  </a:spcBef>
+                </a:pPr>
+                <a:r>
+                  <a:rPr lang="en-GB" sz="1600" b="1" dirty="0">
+                    <a:solidFill>
+                      <a:schemeClr val="accent1"/>
+                    </a:solidFill>
+                  </a:rPr>
+                  <a:t>2 Used Tools</a:t>
+                </a:r>
+              </a:p>
+            </p:txBody>
+          </p:sp>
+          <p:sp>
+            <p:nvSpPr>
+              <p:cNvPr id="12" name="Textfeld 11">
+                <a:extLst>
+                  <a:ext uri="{FF2B5EF4-FFF2-40B4-BE49-F238E27FC236}">
+                    <a16:creationId xmlns:a16="http://schemas.microsoft.com/office/drawing/2014/main" id="{A65136F1-4F26-4D14-9FEC-C4BE18ABE7CF}"/>
+                  </a:ext>
+                </a:extLst>
+              </p:cNvPr>
+              <p:cNvSpPr txBox="1"/>
+              <p:nvPr/>
+            </p:nvSpPr>
+            <p:spPr>
+              <a:xfrm>
+                <a:off x="452214" y="5903346"/>
+                <a:ext cx="4788000" cy="2719954"/>
+              </a:xfrm>
+              <a:prstGeom prst="rect">
+                <a:avLst/>
+              </a:prstGeom>
+              <a:solidFill>
+                <a:schemeClr val="bg2">
+                  <a:lumMod val="95000"/>
+                </a:schemeClr>
+              </a:solidFill>
+              <a:ln>
+                <a:noFill/>
+              </a:ln>
+            </p:spPr>
+            <p:txBody>
+              <a:bodyPr wrap="square" lIns="180000" tIns="180000" rIns="180000" bIns="180000" rtlCol="0">
+                <a:noAutofit/>
+              </a:bodyPr>
+              <a:lstStyle/>
+              <a:p>
+                <a:pPr marL="180000" indent="-180000">
+                  <a:spcAft>
+                    <a:spcPts val="600"/>
+                  </a:spcAft>
+                  <a:buFont typeface="Arial" panose="020B0604020202020204" pitchFamily="34" charset="0"/>
+                  <a:buChar char="•"/>
+                </a:pPr>
+                <a:r>
+                  <a:rPr lang="en-GB" sz="1200" dirty="0"/>
+                  <a:t>The website's frontend was crafted using Next.js</a:t>
+                </a:r>
+                <a:r>
+                  <a:rPr lang="en-GB" sz="1400" baseline="30000" dirty="0"/>
+                  <a:t>1</a:t>
+                </a:r>
+                <a:r>
+                  <a:rPr lang="en-GB" sz="1200" dirty="0"/>
+                  <a:t>, leveraging the sleek and sophisticated components of </a:t>
+                </a:r>
+                <a:r>
+                  <a:rPr lang="en-GB" sz="1200" dirty="0" err="1"/>
+                  <a:t>shadcn</a:t>
+                </a:r>
+                <a:r>
+                  <a:rPr lang="en-GB" sz="1200" dirty="0"/>
+                  <a:t>/ui</a:t>
+                </a:r>
+                <a:r>
+                  <a:rPr lang="en-GB" sz="1200" baseline="30000" dirty="0"/>
+                  <a:t>2</a:t>
+                </a:r>
+                <a:r>
+                  <a:rPr lang="en-GB" sz="1200" dirty="0"/>
+                  <a:t>, complemented by custom-designed elements seamlessly aligned with the </a:t>
+                </a:r>
+                <a:r>
+                  <a:rPr lang="en-GB" sz="1200" dirty="0" err="1"/>
+                  <a:t>shadcn</a:t>
+                </a:r>
+                <a:r>
+                  <a:rPr lang="en-GB" sz="1200" dirty="0"/>
+                  <a:t>/</a:t>
+                </a:r>
+                <a:r>
+                  <a:rPr lang="en-GB" sz="1200" dirty="0" err="1"/>
+                  <a:t>ui</a:t>
+                </a:r>
+                <a:r>
+                  <a:rPr lang="en-GB" sz="1200" dirty="0"/>
+                  <a:t> aesthetic.</a:t>
+                </a:r>
+              </a:p>
+              <a:p>
+                <a:pPr marL="180000" indent="-180000">
+                  <a:spcAft>
+                    <a:spcPts val="600"/>
+                  </a:spcAft>
+                  <a:buFont typeface="Arial" panose="020B0604020202020204" pitchFamily="34" charset="0"/>
+                  <a:buChar char="•"/>
+                </a:pPr>
+                <a:r>
+                  <a:rPr lang="en-GB" sz="1200" dirty="0"/>
+                  <a:t>The backend is powered by Supabase</a:t>
+                </a:r>
+                <a:r>
+                  <a:rPr lang="en-GB" sz="1200" baseline="30000" dirty="0"/>
+                  <a:t>3</a:t>
+                </a:r>
+                <a:r>
+                  <a:rPr lang="en-GB" sz="1200" dirty="0"/>
+                  <a:t>, providing a robust and scalable infrastructure, seamlessly integrating database management and API capabilities to support the website’s dynamic functionality.</a:t>
+                </a:r>
+              </a:p>
+            </p:txBody>
+          </p:sp>
+          <p:sp>
+            <p:nvSpPr>
+              <p:cNvPr id="48" name="Rectangle 47">
+                <a:extLst>
+                  <a:ext uri="{FF2B5EF4-FFF2-40B4-BE49-F238E27FC236}">
+                    <a16:creationId xmlns:a16="http://schemas.microsoft.com/office/drawing/2014/main" id="{BEFEF190-E172-6C1B-2698-8791745D3788}"/>
+                  </a:ext>
+                </a:extLst>
+              </p:cNvPr>
+              <p:cNvSpPr/>
+              <p:nvPr/>
+            </p:nvSpPr>
+            <p:spPr>
+              <a:xfrm>
+                <a:off x="449263" y="5508951"/>
+                <a:ext cx="4780799" cy="148315"/>
+              </a:xfrm>
+              <a:prstGeom prst="rect">
+                <a:avLst/>
+              </a:prstGeom>
+              <a:noFill/>
+              <a:ln>
+                <a:noFill/>
+              </a:ln>
+            </p:spPr>
+            <p:style>
+              <a:lnRef idx="2">
+                <a:schemeClr val="accent1">
+                  <a:shade val="15000"/>
+                </a:schemeClr>
+              </a:lnRef>
+              <a:fillRef idx="1">
+                <a:schemeClr val="accent1"/>
+              </a:fillRef>
+              <a:effectRef idx="0">
+                <a:schemeClr val="accent1"/>
+              </a:effectRef>
+              <a:fontRef idx="minor">
+                <a:schemeClr val="lt1"/>
+              </a:fontRef>
+            </p:style>
+            <p:txBody>
+              <a:bodyPr rtlCol="0" anchor="ctr"/>
+              <a:lstStyle/>
+              <a:p>
+                <a:pPr algn="ctr"/>
+                <a:endParaRPr lang="en-GB"/>
+              </a:p>
+            </p:txBody>
+          </p:sp>
+        </p:grpSp>
+        <p:pic>
+          <p:nvPicPr>
+            <p:cNvPr id="74" name="Picture 73" descr="A black background with a black square&#10;&#10;Description automatically generated with medium confidence">
+              <a:extLst>
+                <a:ext uri="{FF2B5EF4-FFF2-40B4-BE49-F238E27FC236}">
+                  <a16:creationId xmlns:a16="http://schemas.microsoft.com/office/drawing/2014/main" id="{17137D8B-7897-7CF3-560A-2B8843F81612}"/>
+                </a:ext>
+              </a:extLst>
+            </p:cNvPr>
+            <p:cNvPicPr>
+              <a:picLocks noChangeAspect="1"/>
+            </p:cNvPicPr>
+            <p:nvPr/>
+          </p:nvPicPr>
+          <p:blipFill>
+            <a:blip r:embed="rId9">
+              <a:extLst>
+                <a:ext uri="{28A0092B-C50C-407E-A947-70E740481C1C}">
+                  <a14:useLocalDpi xmlns:a14="http://schemas.microsoft.com/office/drawing/2010/main" val="0"/>
+                </a:ext>
+              </a:extLst>
+            </a:blip>
+            <a:stretch>
+              <a:fillRect/>
+            </a:stretch>
+          </p:blipFill>
+          <p:spPr>
+            <a:xfrm>
+              <a:off x="967841" y="7807565"/>
+              <a:ext cx="3756745" cy="649652"/>
+            </a:xfrm>
+            <a:prstGeom prst="rect">
+              <a:avLst/>
+            </a:prstGeom>
+          </p:spPr>
+        </p:pic>
+      </p:grpSp>
+      <p:grpSp>
+        <p:nvGrpSpPr>
+          <p:cNvPr id="79" name="Group 78">
+            <a:extLst>
+              <a:ext uri="{FF2B5EF4-FFF2-40B4-BE49-F238E27FC236}">
+                <a16:creationId xmlns:a16="http://schemas.microsoft.com/office/drawing/2014/main" id="{E7896BC9-BE3A-3410-F68E-AEA3A527259A}"/>
+              </a:ext>
+            </a:extLst>
+          </p:cNvPr>
+          <p:cNvGrpSpPr/>
+          <p:nvPr/>
+        </p:nvGrpSpPr>
+        <p:grpSpPr>
+          <a:xfrm>
+            <a:off x="5461114" y="3458446"/>
+            <a:ext cx="4802492" cy="6041766"/>
+            <a:chOff x="453970" y="9179346"/>
+            <a:chExt cx="4802492" cy="6041766"/>
+          </a:xfrm>
+        </p:grpSpPr>
+        <p:sp>
+          <p:nvSpPr>
+            <p:cNvPr id="80" name="Textfeld 9">
+              <a:extLst>
+                <a:ext uri="{FF2B5EF4-FFF2-40B4-BE49-F238E27FC236}">
+                  <a16:creationId xmlns:a16="http://schemas.microsoft.com/office/drawing/2014/main" id="{6F182440-A2B3-E728-809C-274C609D9E61}"/>
+                </a:ext>
+              </a:extLst>
+            </p:cNvPr>
+            <p:cNvSpPr txBox="1"/>
+            <p:nvPr/>
+          </p:nvSpPr>
+          <p:spPr>
+            <a:xfrm>
+              <a:off x="453970" y="9580564"/>
+              <a:ext cx="4788000" cy="5621303"/>
+            </a:xfrm>
+            <a:prstGeom prst="rect">
+              <a:avLst/>
+            </a:prstGeom>
+            <a:solidFill>
+              <a:schemeClr val="bg2">
+                <a:lumMod val="95000"/>
+              </a:schemeClr>
+            </a:solidFill>
+            <a:ln>
+              <a:noFill/>
+            </a:ln>
+          </p:spPr>
+          <p:txBody>
+            <a:bodyPr wrap="square" lIns="180000" tIns="180000" rIns="180000" bIns="180000" rtlCol="0">
+              <a:noAutofit/>
+            </a:bodyPr>
+            <a:lstStyle/>
+            <a:p>
+              <a:pPr>
+                <a:spcAft>
+                  <a:spcPts val="600"/>
+                </a:spcAft>
+              </a:pPr>
+              <a:r>
+                <a:rPr lang="en-GB" sz="1200" dirty="0"/>
+                <a:t>We designed the website with a focus on consistency and inclusivity, utilizing the sleek components of </a:t>
+              </a:r>
+              <a:r>
+                <a:rPr lang="en-GB" sz="1200" dirty="0" err="1"/>
+                <a:t>shadcn</a:t>
+              </a:r>
+              <a:r>
+                <a:rPr lang="en-GB" sz="1200" dirty="0"/>
+                <a:t>/</a:t>
+              </a:r>
+              <a:r>
+                <a:rPr lang="en-GB" sz="1200" dirty="0" err="1"/>
+                <a:t>ui</a:t>
+              </a:r>
+              <a:r>
+                <a:rPr lang="en-GB" sz="1200" dirty="0"/>
+                <a:t> alongside custom-designed elements for a unified and visually harmonious aesthetic across all pages. The website is fully responsive, offering a seamless experience across devices, including phones, tablets, and PCs. Interactivity takes </a:t>
+              </a:r>
+              <a:r>
+                <a:rPr lang="en-GB" sz="1200" dirty="0" err="1"/>
+                <a:t>center</a:t>
+              </a:r>
+              <a:r>
+                <a:rPr lang="en-GB" sz="1200" dirty="0"/>
+                <a:t> stage, featuring an engaging custom map for dynamic exploration and interaction. To ensure accessibility for all users, we implemented robust keyboard navigation and accessibility features, making the website inclusive and easy to use for everyone.</a:t>
+              </a:r>
+            </a:p>
+          </p:txBody>
+        </p:sp>
+        <p:sp>
+          <p:nvSpPr>
+            <p:cNvPr id="81" name="Textfeld 13">
+              <a:extLst>
+                <a:ext uri="{FF2B5EF4-FFF2-40B4-BE49-F238E27FC236}">
+                  <a16:creationId xmlns:a16="http://schemas.microsoft.com/office/drawing/2014/main" id="{3E6C2898-6BD6-BB6D-5C7C-873777AF870D}"/>
+                </a:ext>
+              </a:extLst>
+            </p:cNvPr>
+            <p:cNvSpPr txBox="1"/>
+            <p:nvPr/>
+          </p:nvSpPr>
+          <p:spPr>
+            <a:xfrm>
+              <a:off x="453970" y="9328563"/>
+              <a:ext cx="4788000" cy="252000"/>
+            </a:xfrm>
+            <a:prstGeom prst="rect">
+              <a:avLst/>
+            </a:prstGeom>
             <a:noFill/>
-          </a:ln>
-        </p:spPr>
-        <p:style>
-          <a:lnRef idx="2">
-            <a:schemeClr val="accent6">
-              <a:shade val="15000"/>
-            </a:schemeClr>
-          </a:lnRef>
-          <a:fillRef idx="1">
-            <a:schemeClr val="accent6"/>
-          </a:fillRef>
-          <a:effectRef idx="0">
-            <a:schemeClr val="accent6"/>
-          </a:effectRef>
-          <a:fontRef idx="minor">
-            <a:schemeClr val="lt1"/>
-          </a:fontRef>
-        </p:style>
-        <p:txBody>
-          <a:bodyPr rtlCol="0" anchor="ctr"/>
-          <a:lstStyle/>
-          <a:p>
-            <a:pPr algn="ctr"/>
-            <a:endParaRPr lang="en-CH"/>
-          </a:p>
-        </p:txBody>
-      </p:sp>
+            <a:ln>
+              <a:noFill/>
+            </a:ln>
+          </p:spPr>
+          <p:txBody>
+            <a:bodyPr wrap="square" lIns="0" tIns="0" rIns="0" bIns="0" rtlCol="0">
+              <a:noAutofit/>
+            </a:bodyPr>
+            <a:lstStyle/>
+            <a:p>
+              <a:pPr algn="l">
+                <a:lnSpc>
+                  <a:spcPts val="1550"/>
+                </a:lnSpc>
+                <a:spcBef>
+                  <a:spcPts val="200"/>
+                </a:spcBef>
+              </a:pPr>
+              <a:r>
+                <a:rPr lang="en-GB" sz="1600" b="1" dirty="0">
+                  <a:solidFill>
+                    <a:schemeClr val="accent1"/>
+                  </a:solidFill>
+                </a:rPr>
+                <a:t>4 Interface</a:t>
+              </a:r>
+            </a:p>
+          </p:txBody>
+        </p:sp>
+        <p:pic>
+          <p:nvPicPr>
+            <p:cNvPr id="82" name="Grafik 31" descr="Image outline">
+              <a:extLst>
+                <a:ext uri="{FF2B5EF4-FFF2-40B4-BE49-F238E27FC236}">
+                  <a16:creationId xmlns:a16="http://schemas.microsoft.com/office/drawing/2014/main" id="{B427BDE6-EDB5-3E46-D572-CCFD812D0C56}"/>
+                </a:ext>
+              </a:extLst>
+            </p:cNvPr>
+            <p:cNvPicPr>
+              <a:picLocks noChangeAspect="1"/>
+            </p:cNvPicPr>
+            <p:nvPr/>
+          </p:nvPicPr>
+          <p:blipFill>
+            <a:blip r:embed="rId10">
+              <a:extLst>
+                <a:ext uri="{96DAC541-7B7A-43D3-8B79-37D633B846F1}">
+                  <asvg:svgBlip xmlns:asvg="http://schemas.microsoft.com/office/drawing/2016/SVG/main" r:embed="rId11"/>
+                </a:ext>
+              </a:extLst>
+            </a:blip>
+            <a:srcRect t="15273" b="15273"/>
+            <a:stretch/>
+          </p:blipFill>
+          <p:spPr>
+            <a:xfrm>
+              <a:off x="899204" y="11863520"/>
+              <a:ext cx="3878502" cy="2693802"/>
+            </a:xfrm>
+            <a:prstGeom prst="rect">
+              <a:avLst/>
+            </a:prstGeom>
+          </p:spPr>
+        </p:pic>
+        <p:sp>
+          <p:nvSpPr>
+            <p:cNvPr id="83" name="Textfeld 27">
+              <a:extLst>
+                <a:ext uri="{FF2B5EF4-FFF2-40B4-BE49-F238E27FC236}">
+                  <a16:creationId xmlns:a16="http://schemas.microsoft.com/office/drawing/2014/main" id="{1E2D55DF-131B-3514-A542-674B667E80AE}"/>
+                </a:ext>
+              </a:extLst>
+            </p:cNvPr>
+            <p:cNvSpPr txBox="1"/>
+            <p:nvPr/>
+          </p:nvSpPr>
+          <p:spPr>
+            <a:xfrm>
+              <a:off x="469199" y="14681112"/>
+              <a:ext cx="4787263" cy="540000"/>
+            </a:xfrm>
+            <a:prstGeom prst="rect">
+              <a:avLst/>
+            </a:prstGeom>
+            <a:noFill/>
+            <a:ln>
+              <a:noFill/>
+            </a:ln>
+          </p:spPr>
+          <p:txBody>
+            <a:bodyPr wrap="square" lIns="180000" tIns="0" rIns="180000" bIns="180000" rtlCol="0" anchor="b" anchorCtr="0">
+              <a:noAutofit/>
+            </a:bodyPr>
+            <a:lstStyle/>
+            <a:p>
+              <a:r>
+                <a:rPr lang="en-GB" sz="700" dirty="0"/>
+                <a:t>Visual of website</a:t>
+              </a:r>
+            </a:p>
+          </p:txBody>
+        </p:sp>
+        <p:sp>
+          <p:nvSpPr>
+            <p:cNvPr id="84" name="Rectangle 83">
+              <a:extLst>
+                <a:ext uri="{FF2B5EF4-FFF2-40B4-BE49-F238E27FC236}">
+                  <a16:creationId xmlns:a16="http://schemas.microsoft.com/office/drawing/2014/main" id="{39146226-D615-C5A8-93C5-DBEFE34B63E5}"/>
+                </a:ext>
+              </a:extLst>
+            </p:cNvPr>
+            <p:cNvSpPr/>
+            <p:nvPr/>
+          </p:nvSpPr>
+          <p:spPr>
+            <a:xfrm>
+              <a:off x="453970" y="9179346"/>
+              <a:ext cx="4780799" cy="148315"/>
+            </a:xfrm>
+            <a:prstGeom prst="rect">
+              <a:avLst/>
+            </a:prstGeom>
+            <a:noFill/>
+            <a:ln>
+              <a:noFill/>
+            </a:ln>
+          </p:spPr>
+          <p:style>
+            <a:lnRef idx="2">
+              <a:schemeClr val="accent1">
+                <a:shade val="15000"/>
+              </a:schemeClr>
+            </a:lnRef>
+            <a:fillRef idx="1">
+              <a:schemeClr val="accent1"/>
+            </a:fillRef>
+            <a:effectRef idx="0">
+              <a:schemeClr val="accent1"/>
+            </a:effectRef>
+            <a:fontRef idx="minor">
+              <a:schemeClr val="lt1"/>
+            </a:fontRef>
+          </p:style>
+          <p:txBody>
+            <a:bodyPr rtlCol="0" anchor="ctr"/>
+            <a:lstStyle/>
+            <a:p>
+              <a:pPr algn="ctr"/>
+              <a:endParaRPr lang="en-GB" dirty="0"/>
+            </a:p>
+          </p:txBody>
+        </p:sp>
+      </p:grpSp>
     </p:spTree>
     <p:extLst>
       <p:ext uri="{BB962C8B-B14F-4D97-AF65-F5344CB8AC3E}">

--- a/report_poster/p1_poster.pptx
+++ b/report_poster/p1_poster.pptx
@@ -134,6 +134,11 @@
             <a:srgbClr val="A4A3A4"/>
           </p15:clr>
         </p15:guide>
+        <p15:guide id="4" pos="3367">
+          <p15:clr>
+            <a:srgbClr val="A4A3A4"/>
+          </p15:clr>
+        </p15:guide>
       </p15:sldGuideLst>
     </p:ext>
     <p:ext uri="{2D200454-40CA-4A62-9FC3-DE9A4176ACB9}">
@@ -11630,8 +11635,22 @@
                 </a:solidFill>
                 <a:effectLst/>
               </a:rPr>
-              <a:t>252-2810-00L FS</a:t>
-            </a:r>
+              <a:t>252-2810-00L </a:t>
+            </a:r>
+            <a:r>
+              <a:rPr lang="en-GB" sz="1400" dirty="0">
+                <a:solidFill>
+                  <a:srgbClr val="1D2125"/>
+                </a:solidFill>
+              </a:rPr>
+              <a:t>HS24</a:t>
+            </a:r>
+            <a:endParaRPr lang="en-GB" sz="1400" i="0" dirty="0">
+              <a:solidFill>
+                <a:srgbClr val="1D2125"/>
+              </a:solidFill>
+              <a:effectLst/>
+            </a:endParaRPr>
           </a:p>
           <a:p>
             <a:pPr algn="r"/>

--- a/report_poster/p1_poster.pptx
+++ b/report_poster/p1_poster.pptx
@@ -11734,7 +11734,7 @@
               </a:r>
               <a:r>
                 <a:rPr lang="en-GB" sz="1200" dirty="0"/>
-                <a:t>, an interactive, responsive and accessible website designed for individuals seeking a comprehensive overview of happiness across the globe. Using the World Happiness Index, we ranked countries based on their happiness scores, providing an engaging experience through a dynamic map where users can explore and compare the happiness levels of different nations.</a:t>
+                <a:t>, an interactive, responsive and accessible website designed for individuals seeking a comprehensive overview of happiness across the globe. Using the World Happiness Index, we ranked countries based on their happiness scores, providing an engaging experience through a dynamic map where users can explore and compare the happiness levels of different nations across time.</a:t>
               </a:r>
             </a:p>
           </p:txBody>
@@ -12438,7 +12438,7 @@
         </p:blipFill>
         <p:spPr>
           <a:xfrm>
-            <a:off x="9370343" y="1356747"/>
+            <a:off x="4373506" y="1536871"/>
             <a:ext cx="829013" cy="829013"/>
           </a:xfrm>
           <a:prstGeom prst="rect">
@@ -12885,7 +12885,7 @@
                 </a:r>
                 <a:r>
                   <a:rPr lang="en-GB" sz="1200" dirty="0"/>
-                  <a:t>, complemented by custom-designed elements seamlessly aligned with the </a:t>
+                  <a:t>, complemented by custom-designed elements aligned with the </a:t>
                 </a:r>
                 <a:r>
                   <a:rPr lang="en-GB" sz="1200" dirty="0" err="1"/>
@@ -12922,7 +12922,7 @@
                 </a:r>
                 <a:r>
                   <a:rPr lang="en-GB" sz="1200" dirty="0"/>
-                  <a:t>, providing a robust and scalable infrastructure, seamlessly integrating database management and API capabilities to support the website’s dynamic functionality.</a:t>
+                  <a:t>, providing a robust and scalable infrastructure, integrating database management and API capabilities to support the website’s dynamic functionality.</a:t>
                 </a:r>
               </a:p>
             </p:txBody>
@@ -13077,7 +13077,7 @@
               </a:pPr>
               <a:r>
                 <a:rPr lang="en-GB" sz="1200" dirty="0"/>
-                <a:t>We designed the website with a focus on consistency and inclusivity, utilizing the sleek components of </a:t>
+                <a:t>We designed the website with a focus on consistency and inclusion, utilizing the sleek components of </a:t>
               </a:r>
               <a:r>
                 <a:rPr lang="en-GB" sz="1200" dirty="0" err="1"/>
@@ -13101,7 +13101,7 @@
               </a:r>
               <a:r>
                 <a:rPr lang="en-GB" sz="1200" dirty="0"/>
-                <a:t> stage, featuring an engaging custom map for dynamic exploration and interaction. To ensure accessibility for all users, we implemented robust keyboard navigation and accessibility features, making the website inclusive and easy to use for everyone.</a:t>
+                <a:t> stage, featuring an engaging custom map for dynamic exploration and interaction. To ensure accessibility for all users, we implemented robust keyboard navigation and accessibility features in diagrams, making the website inclusive and easy to use for everyone.</a:t>
               </a:r>
             </a:p>
           </p:txBody>

--- a/report_poster/p1_poster.pptx
+++ b/report_poster/p1_poster.pptx
@@ -242,7 +242,7 @@
           <a:p>
             <a:fld id="{F68ABEA4-9216-4FDF-AAE1-D8632908A8EC}" type="datetimeFigureOut">
               <a:rPr lang="de-CH" smtClean="0"/>
-              <a:t>15.12.2024</a:t>
+              <a:t>17.12.2024</a:t>
             </a:fld>
             <a:endParaRPr lang="de-CH"/>
           </a:p>
@@ -419,7 +419,7 @@
           <a:p>
             <a:fld id="{4B78A90D-FE7E-41AF-B03D-808D82937CB9}" type="datetimeFigureOut">
               <a:rPr lang="de-CH" smtClean="0"/>
-              <a:t>15.12.2024</a:t>
+              <a:t>17.12.2024</a:t>
             </a:fld>
             <a:endParaRPr lang="de-CH"/>
           </a:p>
@@ -11700,8 +11700,8 @@
           </p:nvSpPr>
           <p:spPr>
             <a:xfrm>
-              <a:off x="447506" y="3861959"/>
-              <a:ext cx="4788000" cy="1868534"/>
+              <a:off x="447506" y="3851275"/>
+              <a:ext cx="4788000" cy="1879218"/>
             </a:xfrm>
             <a:prstGeom prst="rect">
               <a:avLst/>
@@ -11854,10 +11854,10 @@
         </p:nvGrpSpPr>
         <p:grpSpPr>
           <a:xfrm>
-            <a:off x="5463971" y="9485817"/>
-            <a:ext cx="4793171" cy="3215127"/>
-            <a:chOff x="5451599" y="8862573"/>
-            <a:chExt cx="4793171" cy="3215127"/>
+            <a:off x="5454651" y="9485817"/>
+            <a:ext cx="4802491" cy="3215127"/>
+            <a:chOff x="5442279" y="8862573"/>
+            <a:chExt cx="4802491" cy="3215127"/>
           </a:xfrm>
         </p:grpSpPr>
         <p:sp>
@@ -11874,8 +11874,8 @@
           </p:nvSpPr>
           <p:spPr>
             <a:xfrm>
-              <a:off x="5451599" y="9262044"/>
-              <a:ext cx="4788000" cy="2815656"/>
+              <a:off x="5442279" y="9262044"/>
+              <a:ext cx="4787900" cy="2815656"/>
             </a:xfrm>
             <a:prstGeom prst="rect">
               <a:avLst/>
@@ -12063,9 +12063,9 @@
         <p:grpSpPr>
           <a:xfrm>
             <a:off x="5451599" y="12703991"/>
-            <a:ext cx="4793171" cy="1384914"/>
+            <a:ext cx="4793171" cy="1372372"/>
             <a:chOff x="5451599" y="12703991"/>
-            <a:chExt cx="4793171" cy="1384914"/>
+            <a:chExt cx="4793171" cy="1372372"/>
           </a:xfrm>
         </p:grpSpPr>
         <p:sp>
@@ -12132,8 +12132,8 @@
           </p:nvSpPr>
           <p:spPr>
             <a:xfrm>
-              <a:off x="5451737" y="13116905"/>
-              <a:ext cx="3601613" cy="972000"/>
+              <a:off x="5454650" y="13116905"/>
+              <a:ext cx="3598700" cy="959458"/>
             </a:xfrm>
             <a:prstGeom prst="rect">
               <a:avLst/>
@@ -12163,8 +12163,16 @@
                 <a:t>To visit our website, follow this link: </a:t>
               </a:r>
               <a:r>
-                <a:rPr lang="en-GB" sz="700" b="1" u="sng" dirty="0"/>
-                <a:t>Filler</a:t>
+                <a:rPr lang="en-GB" sz="700" dirty="0">
+                  <a:hlinkClick r:id="rId2">
+                    <a:extLst>
+                      <a:ext uri="{A12FA001-AC4F-418D-AE19-62706E023703}">
+                        <ahyp:hlinkClr xmlns:ahyp="http://schemas.microsoft.com/office/drawing/2018/hyperlinkcolor" val="tx"/>
+                      </a:ext>
+                    </a:extLst>
+                  </a:hlinkClick>
+                </a:rPr>
+                <a:t>https://happiness-explorer.vercel.app/</a:t>
               </a:r>
               <a:r>
                 <a:rPr lang="en-GB" sz="700" dirty="0"/>
@@ -12181,7 +12189,7 @@
               </a:pPr>
               <a:r>
                 <a:rPr lang="en-GB" sz="700" dirty="0">
-                  <a:hlinkClick r:id="rId2">
+                  <a:hlinkClick r:id="rId3">
                     <a:extLst>
                       <a:ext uri="{A12FA001-AC4F-418D-AE19-62706E023703}">
                         <ahyp:hlinkClr xmlns:ahyp="http://schemas.microsoft.com/office/drawing/2018/hyperlinkcolor" val="tx"/>
@@ -12203,7 +12211,7 @@
               </a:pPr>
               <a:r>
                 <a:rPr lang="en-GB" sz="700" dirty="0">
-                  <a:hlinkClick r:id="rId3">
+                  <a:hlinkClick r:id="rId4">
                     <a:extLst>
                       <a:ext uri="{A12FA001-AC4F-418D-AE19-62706E023703}">
                         <ahyp:hlinkClr xmlns:ahyp="http://schemas.microsoft.com/office/drawing/2018/hyperlinkcolor" val="tx"/>
@@ -12225,7 +12233,7 @@
               </a:pPr>
               <a:r>
                 <a:rPr lang="en-GB" sz="700" dirty="0">
-                  <a:hlinkClick r:id="rId4">
+                  <a:hlinkClick r:id="rId5">
                     <a:extLst>
                       <a:ext uri="{A12FA001-AC4F-418D-AE19-62706E023703}">
                         <ahyp:hlinkClr xmlns:ahyp="http://schemas.microsoft.com/office/drawing/2018/hyperlinkcolor" val="tx"/>
@@ -12244,68 +12252,6 @@
                 </a:spcAft>
               </a:pPr>
               <a:endParaRPr lang="en-GB" sz="700" dirty="0"/>
-            </a:p>
-          </p:txBody>
-        </p:sp>
-        <p:sp>
-          <p:nvSpPr>
-            <p:cNvPr id="33" name="Rectangle 32">
-              <a:extLst>
-                <a:ext uri="{FF2B5EF4-FFF2-40B4-BE49-F238E27FC236}">
-                  <a16:creationId xmlns:a16="http://schemas.microsoft.com/office/drawing/2014/main" id="{E010FC5E-EBE0-6818-5ADF-621FE538FFEF}"/>
-                </a:ext>
-              </a:extLst>
-            </p:cNvPr>
-            <p:cNvSpPr/>
-            <p:nvPr/>
-          </p:nvSpPr>
-          <p:spPr>
-            <a:xfrm>
-              <a:off x="9267599" y="13105265"/>
-              <a:ext cx="972000" cy="972000"/>
-            </a:xfrm>
-            <a:prstGeom prst="rect">
-              <a:avLst/>
-            </a:prstGeom>
-            <a:blipFill dpi="0" rotWithShape="1">
-              <a:blip r:embed="rId5">
-                <a:extLst>
-                  <a:ext uri="{28A0092B-C50C-407E-A947-70E740481C1C}">
-                    <a14:useLocalDpi xmlns:a14="http://schemas.microsoft.com/office/drawing/2010/main" val="0"/>
-                  </a:ext>
-                </a:extLst>
-              </a:blip>
-              <a:srcRect/>
-              <a:stretch>
-                <a:fillRect/>
-              </a:stretch>
-            </a:blipFill>
-            <a:ln>
-              <a:noFill/>
-            </a:ln>
-          </p:spPr>
-          <p:style>
-            <a:lnRef idx="2">
-              <a:schemeClr val="accent6">
-                <a:shade val="15000"/>
-              </a:schemeClr>
-            </a:lnRef>
-            <a:fillRef idx="1">
-              <a:schemeClr val="accent6"/>
-            </a:fillRef>
-            <a:effectRef idx="0">
-              <a:schemeClr val="accent6"/>
-            </a:effectRef>
-            <a:fontRef idx="minor">
-              <a:schemeClr val="lt1"/>
-            </a:fontRef>
-          </p:style>
-          <p:txBody>
-            <a:bodyPr rtlCol="0" anchor="ctr"/>
-            <a:lstStyle/>
-            <a:p>
-              <a:pPr algn="ctr"/>
-              <a:endParaRPr lang="en-GB" dirty="0"/>
             </a:p>
           </p:txBody>
         </p:sp>
@@ -12570,7 +12516,7 @@
           <p:spPr>
             <a:xfrm>
               <a:off x="5456307" y="3862366"/>
-              <a:ext cx="4788000" cy="4801971"/>
+              <a:ext cx="4780243" cy="4801972"/>
             </a:xfrm>
             <a:prstGeom prst="rect">
               <a:avLst/>
@@ -13049,8 +12995,8 @@
           </p:nvSpPr>
           <p:spPr>
             <a:xfrm>
-              <a:off x="453970" y="9580564"/>
-              <a:ext cx="4788000" cy="5621303"/>
+              <a:off x="453970" y="9572176"/>
+              <a:ext cx="4788000" cy="5629692"/>
             </a:xfrm>
             <a:prstGeom prst="rect">
               <a:avLst/>
@@ -13156,41 +13102,6 @@
             </a:p>
           </p:txBody>
         </p:sp>
-        <p:pic>
-          <p:nvPicPr>
-            <p:cNvPr id="82" name="Grafik 31" descr="Image outline">
-              <a:extLst>
-                <a:ext uri="{FF2B5EF4-FFF2-40B4-BE49-F238E27FC236}">
-                  <a16:creationId xmlns:a16="http://schemas.microsoft.com/office/drawing/2014/main" id="{B427BDE6-EDB5-3E46-D572-CCFD812D0C56}"/>
-                </a:ext>
-              </a:extLst>
-            </p:cNvPr>
-            <p:cNvPicPr>
-              <a:picLocks noChangeAspect="1"/>
-            </p:cNvPicPr>
-            <p:nvPr/>
-          </p:nvPicPr>
-          <p:blipFill>
-            <a:blip r:embed="rId10">
-              <a:extLst>
-                <a:ext uri="{96DAC541-7B7A-43D3-8B79-37D633B846F1}">
-                  <asvg:svgBlip xmlns:asvg="http://schemas.microsoft.com/office/drawing/2016/SVG/main" r:embed="rId11"/>
-                </a:ext>
-              </a:extLst>
-            </a:blip>
-            <a:srcRect t="15273" b="15273"/>
-            <a:stretch/>
-          </p:blipFill>
-          <p:spPr>
-            <a:xfrm>
-              <a:off x="899204" y="11863520"/>
-              <a:ext cx="3878502" cy="2693802"/>
-            </a:xfrm>
-            <a:prstGeom prst="rect">
-              <a:avLst/>
-            </a:prstGeom>
-          </p:spPr>
-        </p:pic>
         <p:sp>
           <p:nvSpPr>
             <p:cNvPr id="83" name="Textfeld 27">
@@ -13224,7 +13135,15 @@
             <a:p>
               <a:r>
                 <a:rPr lang="en-GB" sz="700" dirty="0"/>
-                <a:t>Visual of website</a:t>
+                <a:t>Landing page of </a:t>
+              </a:r>
+              <a:r>
+                <a:rPr lang="en-GB" sz="700" i="1" dirty="0"/>
+                <a:t>Smiling Globe</a:t>
+              </a:r>
+              <a:r>
+                <a:rPr lang="en-GB" sz="700" dirty="0"/>
+                <a:t> with report of 2024 selected.</a:t>
               </a:r>
             </a:p>
           </p:txBody>
@@ -13280,6 +13199,107 @@
           </p:txBody>
         </p:sp>
       </p:grpSp>
+      <p:pic>
+        <p:nvPicPr>
+          <p:cNvPr id="8" name="Picture 7" descr="A black and white rectangle with a black background&#10;&#10;Description automatically generated">
+            <a:extLst>
+              <a:ext uri="{FF2B5EF4-FFF2-40B4-BE49-F238E27FC236}">
+                <a16:creationId xmlns:a16="http://schemas.microsoft.com/office/drawing/2014/main" id="{6A4DD4F8-BCC3-74B9-95E6-C840522FC92A}"/>
+              </a:ext>
+            </a:extLst>
+          </p:cNvPr>
+          <p:cNvPicPr>
+            <a:picLocks noChangeAspect="1"/>
+          </p:cNvPicPr>
+          <p:nvPr/>
+        </p:nvPicPr>
+        <p:blipFill>
+          <a:blip r:embed="rId10">
+            <a:extLst>
+              <a:ext uri="{28A0092B-C50C-407E-A947-70E740481C1C}">
+                <a14:useLocalDpi xmlns:a14="http://schemas.microsoft.com/office/drawing/2010/main" val="0"/>
+              </a:ext>
+            </a:extLst>
+          </a:blip>
+          <a:stretch>
+            <a:fillRect/>
+          </a:stretch>
+        </p:blipFill>
+        <p:spPr>
+          <a:xfrm>
+            <a:off x="1765912" y="14350540"/>
+            <a:ext cx="1188953" cy="330438"/>
+          </a:xfrm>
+          <a:prstGeom prst="rect">
+            <a:avLst/>
+          </a:prstGeom>
+        </p:spPr>
+      </p:pic>
+      <p:pic>
+        <p:nvPicPr>
+          <p:cNvPr id="10" name="Graphic 9">
+            <a:extLst>
+              <a:ext uri="{FF2B5EF4-FFF2-40B4-BE49-F238E27FC236}">
+                <a16:creationId xmlns:a16="http://schemas.microsoft.com/office/drawing/2014/main" id="{1293B3B5-0BBD-EB8F-1EB6-440360B98F0E}"/>
+              </a:ext>
+            </a:extLst>
+          </p:cNvPr>
+          <p:cNvPicPr>
+            <a:picLocks noChangeAspect="1"/>
+          </p:cNvPicPr>
+          <p:nvPr/>
+        </p:nvPicPr>
+        <p:blipFill>
+          <a:blip r:embed="rId11">
+            <a:extLst>
+              <a:ext uri="{96DAC541-7B7A-43D3-8B79-37D633B846F1}">
+                <asvg:svgBlip xmlns:asvg="http://schemas.microsoft.com/office/drawing/2016/SVG/main" r:embed="rId12"/>
+              </a:ext>
+            </a:extLst>
+          </a:blip>
+          <a:stretch>
+            <a:fillRect/>
+          </a:stretch>
+        </p:blipFill>
+        <p:spPr>
+          <a:xfrm>
+            <a:off x="9279052" y="13116905"/>
+            <a:ext cx="960035" cy="960035"/>
+          </a:xfrm>
+          <a:prstGeom prst="rect">
+            <a:avLst/>
+          </a:prstGeom>
+        </p:spPr>
+      </p:pic>
+      <p:pic>
+        <p:nvPicPr>
+          <p:cNvPr id="4" name="Picture 3">
+            <a:extLst>
+              <a:ext uri="{FF2B5EF4-FFF2-40B4-BE49-F238E27FC236}">
+                <a16:creationId xmlns:a16="http://schemas.microsoft.com/office/drawing/2014/main" id="{04A2EFB5-6AFC-D3B0-C608-B684BD273E8E}"/>
+              </a:ext>
+            </a:extLst>
+          </p:cNvPr>
+          <p:cNvPicPr>
+            <a:picLocks noChangeAspect="1"/>
+          </p:cNvPicPr>
+          <p:nvPr/>
+        </p:nvPicPr>
+        <p:blipFill>
+          <a:blip r:embed="rId13"/>
+          <a:srcRect l="301" r="222"/>
+          <a:stretch/>
+        </p:blipFill>
+        <p:spPr>
+          <a:xfrm>
+            <a:off x="5756851" y="5952372"/>
+            <a:ext cx="4180899" cy="3144509"/>
+          </a:xfrm>
+          <a:prstGeom prst="rect">
+            <a:avLst/>
+          </a:prstGeom>
+        </p:spPr>
+      </p:pic>
     </p:spTree>
     <p:extLst>
       <p:ext uri="{BB962C8B-B14F-4D97-AF65-F5344CB8AC3E}">

--- a/report_poster/p1_poster.pptx
+++ b/report_poster/p1_poster.pptx
@@ -12358,10 +12358,10 @@
       </p:sp>
       <p:pic>
         <p:nvPicPr>
-          <p:cNvPr id="40" name="Picture 39" descr="A cartoon face with a black background&#10;&#10;Description automatically generated">
-            <a:extLst>
-              <a:ext uri="{FF2B5EF4-FFF2-40B4-BE49-F238E27FC236}">
-                <a16:creationId xmlns:a16="http://schemas.microsoft.com/office/drawing/2014/main" id="{62F3894E-BF2E-EAEC-46FD-19CED948795A}"/>
+          <p:cNvPr id="70" name="Picture 69" descr="A black background with a black square&#10;&#10;Description automatically generated with medium confidence">
+            <a:extLst>
+              <a:ext uri="{FF2B5EF4-FFF2-40B4-BE49-F238E27FC236}">
+                <a16:creationId xmlns:a16="http://schemas.microsoft.com/office/drawing/2014/main" id="{2CC7FA3C-CA3B-8D04-0056-4D369F120021}"/>
               </a:ext>
             </a:extLst>
           </p:cNvPr>
@@ -12372,45 +12372,6 @@
         </p:nvPicPr>
         <p:blipFill>
           <a:blip r:embed="rId6">
-            <a:extLst>
-              <a:ext uri="{28A0092B-C50C-407E-A947-70E740481C1C}">
-                <a14:useLocalDpi xmlns:a14="http://schemas.microsoft.com/office/drawing/2010/main" val="0"/>
-              </a:ext>
-            </a:extLst>
-          </a:blip>
-          <a:stretch>
-            <a:fillRect/>
-          </a:stretch>
-        </p:blipFill>
-        <p:spPr>
-          <a:xfrm>
-            <a:off x="4373506" y="1536871"/>
-            <a:ext cx="829013" cy="829013"/>
-          </a:xfrm>
-          <a:prstGeom prst="rect">
-            <a:avLst/>
-          </a:prstGeom>
-          <a:ln>
-            <a:noFill/>
-          </a:ln>
-        </p:spPr>
-      </p:pic>
-      <p:pic>
-        <p:nvPicPr>
-          <p:cNvPr id="70" name="Picture 69" descr="A black background with a black square&#10;&#10;Description automatically generated with medium confidence">
-            <a:extLst>
-              <a:ext uri="{FF2B5EF4-FFF2-40B4-BE49-F238E27FC236}">
-                <a16:creationId xmlns:a16="http://schemas.microsoft.com/office/drawing/2014/main" id="{2CC7FA3C-CA3B-8D04-0056-4D369F120021}"/>
-              </a:ext>
-            </a:extLst>
-          </p:cNvPr>
-          <p:cNvPicPr>
-            <a:picLocks noChangeAspect="1"/>
-          </p:cNvPicPr>
-          <p:nvPr/>
-        </p:nvPicPr>
-        <p:blipFill>
-          <a:blip r:embed="rId7">
             <a:extLst>
               <a:ext uri="{28A0092B-C50C-407E-A947-70E740481C1C}">
                 <a14:useLocalDpi xmlns:a14="http://schemas.microsoft.com/office/drawing/2010/main" val="0"/>
@@ -12651,7 +12612,7 @@
             <p:nvPr/>
           </p:nvPicPr>
           <p:blipFill>
-            <a:blip r:embed="rId8">
+            <a:blip r:embed="rId7">
               <a:extLst>
                 <a:ext uri="{28A0092B-C50C-407E-A947-70E740481C1C}">
                   <a14:useLocalDpi xmlns:a14="http://schemas.microsoft.com/office/drawing/2010/main" val="0"/>
@@ -12939,7 +12900,7 @@
             <p:nvPr/>
           </p:nvPicPr>
           <p:blipFill>
-            <a:blip r:embed="rId9">
+            <a:blip r:embed="rId8">
               <a:extLst>
                 <a:ext uri="{28A0092B-C50C-407E-A947-70E740481C1C}">
                   <a14:useLocalDpi xmlns:a14="http://schemas.microsoft.com/office/drawing/2010/main" val="0"/>
@@ -13214,7 +13175,7 @@
           <p:nvPr/>
         </p:nvPicPr>
         <p:blipFill>
-          <a:blip r:embed="rId10">
+          <a:blip r:embed="rId9">
             <a:extLst>
               <a:ext uri="{28A0092B-C50C-407E-A947-70E740481C1C}">
                 <a14:useLocalDpi xmlns:a14="http://schemas.microsoft.com/office/drawing/2010/main" val="0"/>
@@ -13250,10 +13211,10 @@
           <p:nvPr/>
         </p:nvPicPr>
         <p:blipFill>
-          <a:blip r:embed="rId11">
+          <a:blip r:embed="rId10">
             <a:extLst>
               <a:ext uri="{96DAC541-7B7A-43D3-8B79-37D633B846F1}">
-                <asvg:svgBlip xmlns:asvg="http://schemas.microsoft.com/office/drawing/2016/SVG/main" r:embed="rId12"/>
+                <asvg:svgBlip xmlns:asvg="http://schemas.microsoft.com/office/drawing/2016/SVG/main" r:embed="rId11"/>
               </a:ext>
             </a:extLst>
           </a:blip>
@@ -13286,7 +13247,7 @@
           <p:nvPr/>
         </p:nvPicPr>
         <p:blipFill>
-          <a:blip r:embed="rId13"/>
+          <a:blip r:embed="rId12"/>
           <a:srcRect l="301" r="222"/>
           <a:stretch/>
         </p:blipFill>
